--- a/presentation/MIE2024-DataIM-Masterclass-Session1.pptx
+++ b/presentation/MIE2024-DataIM-Masterclass-Session1.pptx
@@ -14216,7 +14216,7 @@
           <a:p>
             <a:fld id="{2715C071-7BAF-4C5C-9B54-C340436C473A}" type="datetimeFigureOut">
               <a:rPr lang="nl-NL" smtClean="0"/>
-              <a:t>22-3-2024</a:t>
+              <a:t>24-3-2024</a:t>
             </a:fld>
             <a:endParaRPr lang="nl-NL"/>
           </a:p>
@@ -14575,6 +14575,114 @@
         <p:cNvPr id="1" name="">
           <a:extLst>
             <a:ext uri="{FF2B5EF4-FFF2-40B4-BE49-F238E27FC236}">
+              <a16:creationId xmlns:a16="http://schemas.microsoft.com/office/drawing/2014/main" id="{78BDCF28-17F7-B60A-152D-B849CDEE2DD1}"/>
+            </a:ext>
+          </a:extLst>
+        </p:cNvPr>
+        <p:cNvGrpSpPr/>
+        <p:nvPr/>
+      </p:nvGrpSpPr>
+      <p:grpSpPr>
+        <a:xfrm>
+          <a:off x="0" y="0"/>
+          <a:ext cx="0" cy="0"/>
+          <a:chOff x="0" y="0"/>
+          <a:chExt cx="0" cy="0"/>
+        </a:xfrm>
+      </p:grpSpPr>
+      <p:sp>
+        <p:nvSpPr>
+          <p:cNvPr id="2" name="Tijdelijke aanduiding voor dia-afbeelding 1">
+            <a:extLst>
+              <a:ext uri="{FF2B5EF4-FFF2-40B4-BE49-F238E27FC236}">
+                <a16:creationId xmlns:a16="http://schemas.microsoft.com/office/drawing/2014/main" id="{AAF5266D-0C29-C044-2518-837A64127A8C}"/>
+              </a:ext>
+            </a:extLst>
+          </p:cNvPr>
+          <p:cNvSpPr>
+            <a:spLocks noGrp="1" noRot="1" noChangeAspect="1"/>
+          </p:cNvSpPr>
+          <p:nvPr>
+            <p:ph type="sldImg"/>
+          </p:nvPr>
+        </p:nvSpPr>
+        <p:spPr/>
+      </p:sp>
+      <p:sp>
+        <p:nvSpPr>
+          <p:cNvPr id="3" name="Tijdelijke aanduiding voor notities 2">
+            <a:extLst>
+              <a:ext uri="{FF2B5EF4-FFF2-40B4-BE49-F238E27FC236}">
+                <a16:creationId xmlns:a16="http://schemas.microsoft.com/office/drawing/2014/main" id="{2097D01A-E7B9-8C84-73B9-9B5640B454D4}"/>
+              </a:ext>
+            </a:extLst>
+          </p:cNvPr>
+          <p:cNvSpPr>
+            <a:spLocks noGrp="1"/>
+          </p:cNvSpPr>
+          <p:nvPr>
+            <p:ph type="body" idx="1"/>
+          </p:nvPr>
+        </p:nvSpPr>
+        <p:spPr/>
+        <p:txBody>
+          <a:bodyPr/>
+          <a:lstStyle/>
+          <a:p>
+            <a:endParaRPr lang="nl-NL" dirty="0"/>
+          </a:p>
+        </p:txBody>
+      </p:sp>
+      <p:sp>
+        <p:nvSpPr>
+          <p:cNvPr id="4" name="Tijdelijke aanduiding voor dianummer 3">
+            <a:extLst>
+              <a:ext uri="{FF2B5EF4-FFF2-40B4-BE49-F238E27FC236}">
+                <a16:creationId xmlns:a16="http://schemas.microsoft.com/office/drawing/2014/main" id="{90C737F4-0DED-F12C-4DA0-6FD10101DEB4}"/>
+              </a:ext>
+            </a:extLst>
+          </p:cNvPr>
+          <p:cNvSpPr>
+            <a:spLocks noGrp="1"/>
+          </p:cNvSpPr>
+          <p:nvPr>
+            <p:ph type="sldNum" sz="quarter" idx="5"/>
+          </p:nvPr>
+        </p:nvSpPr>
+        <p:spPr/>
+        <p:txBody>
+          <a:bodyPr/>
+          <a:lstStyle/>
+          <a:p>
+            <a:fld id="{623201EE-611C-429E-B6C7-DF3E08DC77B3}" type="slidenum">
+              <a:rPr lang="nl-NL" smtClean="0"/>
+              <a:t>19</a:t>
+            </a:fld>
+            <a:endParaRPr lang="nl-NL"/>
+          </a:p>
+        </p:txBody>
+      </p:sp>
+    </p:spTree>
+    <p:extLst>
+      <p:ext uri="{BB962C8B-B14F-4D97-AF65-F5344CB8AC3E}">
+        <p14:creationId xmlns:p14="http://schemas.microsoft.com/office/powerpoint/2010/main" val="1211460587"/>
+      </p:ext>
+    </p:extLst>
+  </p:cSld>
+  <p:clrMapOvr>
+    <a:masterClrMapping/>
+  </p:clrMapOvr>
+</p:notes>
+</file>
+
+<file path=ppt/notesSlides/notesSlide11.xml><?xml version="1.0" encoding="utf-8"?>
+<p:notes xmlns:a="http://schemas.openxmlformats.org/drawingml/2006/main" xmlns:r="http://schemas.openxmlformats.org/officeDocument/2006/relationships" xmlns:p="http://schemas.openxmlformats.org/presentationml/2006/main">
+  <p:cSld>
+    <p:spTree>
+      <p:nvGrpSpPr>
+        <p:cNvPr id="1" name="">
+          <a:extLst>
+            <a:ext uri="{FF2B5EF4-FFF2-40B4-BE49-F238E27FC236}">
               <a16:creationId xmlns:a16="http://schemas.microsoft.com/office/drawing/2014/main" id="{6564D889-9EAF-A9C7-EC9C-B9362F73CC58}"/>
             </a:ext>
           </a:extLst>
@@ -14675,7 +14783,7 @@
 </p:notes>
 </file>
 
-<file path=ppt/notesSlides/notesSlide11.xml><?xml version="1.0" encoding="utf-8"?>
+<file path=ppt/notesSlides/notesSlide12.xml><?xml version="1.0" encoding="utf-8"?>
 <p:notes xmlns:a="http://schemas.openxmlformats.org/drawingml/2006/main" xmlns:r="http://schemas.openxmlformats.org/officeDocument/2006/relationships" xmlns:p="http://schemas.openxmlformats.org/presentationml/2006/main">
   <p:cSld>
     <p:spTree>
@@ -14762,7 +14870,7 @@
 </p:notes>
 </file>
 
-<file path=ppt/notesSlides/notesSlide12.xml><?xml version="1.0" encoding="utf-8"?>
+<file path=ppt/notesSlides/notesSlide13.xml><?xml version="1.0" encoding="utf-8"?>
 <p:notes xmlns:a="http://schemas.openxmlformats.org/drawingml/2006/main" xmlns:r="http://schemas.openxmlformats.org/officeDocument/2006/relationships" xmlns:p="http://schemas.openxmlformats.org/presentationml/2006/main">
   <p:cSld>
     <p:spTree>
@@ -14846,7 +14954,7 @@
 </p:notes>
 </file>
 
-<file path=ppt/notesSlides/notesSlide13.xml><?xml version="1.0" encoding="utf-8"?>
+<file path=ppt/notesSlides/notesSlide14.xml><?xml version="1.0" encoding="utf-8"?>
 <p:notes xmlns:a="http://schemas.openxmlformats.org/drawingml/2006/main" xmlns:r="http://schemas.openxmlformats.org/officeDocument/2006/relationships" xmlns:p="http://schemas.openxmlformats.org/presentationml/2006/main">
   <p:cSld>
     <p:spTree>
@@ -14930,7 +15038,7 @@
 </p:notes>
 </file>
 
-<file path=ppt/notesSlides/notesSlide14.xml><?xml version="1.0" encoding="utf-8"?>
+<file path=ppt/notesSlides/notesSlide15.xml><?xml version="1.0" encoding="utf-8"?>
 <p:notes xmlns:a="http://schemas.openxmlformats.org/drawingml/2006/main" xmlns:r="http://schemas.openxmlformats.org/officeDocument/2006/relationships" xmlns:p="http://schemas.openxmlformats.org/presentationml/2006/main">
   <p:cSld>
     <p:spTree>
@@ -15014,7 +15122,7 @@
 </p:notes>
 </file>
 
-<file path=ppt/notesSlides/notesSlide15.xml><?xml version="1.0" encoding="utf-8"?>
+<file path=ppt/notesSlides/notesSlide16.xml><?xml version="1.0" encoding="utf-8"?>
 <p:notes xmlns:a="http://schemas.openxmlformats.org/drawingml/2006/main" xmlns:r="http://schemas.openxmlformats.org/officeDocument/2006/relationships" xmlns:p="http://schemas.openxmlformats.org/presentationml/2006/main">
   <p:cSld>
     <p:spTree>
@@ -15098,7 +15206,7 @@
 </p:notes>
 </file>
 
-<file path=ppt/notesSlides/notesSlide16.xml><?xml version="1.0" encoding="utf-8"?>
+<file path=ppt/notesSlides/notesSlide17.xml><?xml version="1.0" encoding="utf-8"?>
 <p:notes xmlns:a="http://schemas.openxmlformats.org/drawingml/2006/main" xmlns:r="http://schemas.openxmlformats.org/officeDocument/2006/relationships" xmlns:p="http://schemas.openxmlformats.org/presentationml/2006/main">
   <p:cSld>
     <p:spTree>
@@ -15182,7 +15290,7 @@
 </p:notes>
 </file>
 
-<file path=ppt/notesSlides/notesSlide17.xml><?xml version="1.0" encoding="utf-8"?>
+<file path=ppt/notesSlides/notesSlide18.xml><?xml version="1.0" encoding="utf-8"?>
 <p:notes xmlns:a="http://schemas.openxmlformats.org/drawingml/2006/main" xmlns:r="http://schemas.openxmlformats.org/officeDocument/2006/relationships" xmlns:p="http://schemas.openxmlformats.org/presentationml/2006/main">
   <p:cSld>
     <p:spTree>
@@ -15266,102 +15374,6 @@
 </p:notes>
 </file>
 
-<file path=ppt/notesSlides/notesSlide18.xml><?xml version="1.0" encoding="utf-8"?>
-<p:notes xmlns:a="http://schemas.openxmlformats.org/drawingml/2006/main" xmlns:r="http://schemas.openxmlformats.org/officeDocument/2006/relationships" xmlns:p="http://schemas.openxmlformats.org/presentationml/2006/main">
-  <p:cSld>
-    <p:spTree>
-      <p:nvGrpSpPr>
-        <p:cNvPr id="1" name=""/>
-        <p:cNvGrpSpPr/>
-        <p:nvPr/>
-      </p:nvGrpSpPr>
-      <p:grpSpPr>
-        <a:xfrm>
-          <a:off x="0" y="0"/>
-          <a:ext cx="0" cy="0"/>
-          <a:chOff x="0" y="0"/>
-          <a:chExt cx="0" cy="0"/>
-        </a:xfrm>
-      </p:grpSpPr>
-      <p:sp>
-        <p:nvSpPr>
-          <p:cNvPr id="2" name="Tijdelijke aanduiding voor dia-afbeelding 1"/>
-          <p:cNvSpPr>
-            <a:spLocks noGrp="1" noRot="1" noChangeAspect="1"/>
-          </p:cNvSpPr>
-          <p:nvPr>
-            <p:ph type="sldImg"/>
-          </p:nvPr>
-        </p:nvSpPr>
-        <p:spPr/>
-      </p:sp>
-      <p:sp>
-        <p:nvSpPr>
-          <p:cNvPr id="3" name="Tijdelijke aanduiding voor notities 2"/>
-          <p:cNvSpPr>
-            <a:spLocks noGrp="1"/>
-          </p:cNvSpPr>
-          <p:nvPr>
-            <p:ph type="body" idx="1"/>
-          </p:nvPr>
-        </p:nvSpPr>
-        <p:spPr/>
-        <p:txBody>
-          <a:bodyPr/>
-          <a:lstStyle/>
-          <a:p>
-            <a:r>
-              <a:rPr lang="nl-NL" dirty="0"/>
-              <a:t>Zie voorbeeld </a:t>
-            </a:r>
-            <a:r>
-              <a:rPr lang="nl-NL" b="1" dirty="0"/>
-              <a:t>example.ui.bootstrap.v2.content.R</a:t>
-            </a:r>
-            <a:r>
-              <a:rPr lang="nl-NL" b="0" dirty="0"/>
-              <a:t> uit het MIE2024 package. </a:t>
-            </a:r>
-            <a:endParaRPr lang="nl-NL" b="1" dirty="0"/>
-          </a:p>
-        </p:txBody>
-      </p:sp>
-      <p:sp>
-        <p:nvSpPr>
-          <p:cNvPr id="4" name="Tijdelijke aanduiding voor dianummer 3"/>
-          <p:cNvSpPr>
-            <a:spLocks noGrp="1"/>
-          </p:cNvSpPr>
-          <p:nvPr>
-            <p:ph type="sldNum" sz="quarter" idx="5"/>
-          </p:nvPr>
-        </p:nvSpPr>
-        <p:spPr/>
-        <p:txBody>
-          <a:bodyPr/>
-          <a:lstStyle/>
-          <a:p>
-            <a:fld id="{623201EE-611C-429E-B6C7-DF3E08DC77B3}" type="slidenum">
-              <a:rPr lang="nl-NL" smtClean="0"/>
-              <a:t>29</a:t>
-            </a:fld>
-            <a:endParaRPr lang="nl-NL"/>
-          </a:p>
-        </p:txBody>
-      </p:sp>
-    </p:spTree>
-    <p:extLst>
-      <p:ext uri="{BB962C8B-B14F-4D97-AF65-F5344CB8AC3E}">
-        <p14:creationId xmlns:p14="http://schemas.microsoft.com/office/powerpoint/2010/main" val="3054129440"/>
-      </p:ext>
-    </p:extLst>
-  </p:cSld>
-  <p:clrMapOvr>
-    <a:masterClrMapping/>
-  </p:clrMapOvr>
-</p:notes>
-</file>
-
 <file path=ppt/notesSlides/notesSlide19.xml><?xml version="1.0" encoding="utf-8"?>
 <p:notes xmlns:a="http://schemas.openxmlformats.org/drawingml/2006/main" xmlns:r="http://schemas.openxmlformats.org/officeDocument/2006/relationships" xmlns:p="http://schemas.openxmlformats.org/presentationml/2006/main">
   <p:cSld>
@@ -15408,15 +15420,15 @@
           <a:p>
             <a:r>
               <a:rPr lang="nl-NL" dirty="0"/>
-              <a:t>Zie </a:t>
-            </a:r>
-            <a:r>
-              <a:rPr lang="en-US" b="1" dirty="0" err="1"/>
-              <a:t>example.ui.input.elements.R</a:t>
-            </a:r>
-            <a:r>
-              <a:rPr lang="en-US" b="0" dirty="0"/>
-              <a:t> </a:t>
+              <a:t>Zie voorbeeld </a:t>
+            </a:r>
+            <a:r>
+              <a:rPr lang="nl-NL" b="1" dirty="0"/>
+              <a:t>example.ui.bootstrap.v2.content.R</a:t>
+            </a:r>
+            <a:r>
+              <a:rPr lang="nl-NL" b="0" dirty="0"/>
+              <a:t> uit het MIE2024 package. </a:t>
             </a:r>
             <a:endParaRPr lang="nl-NL" b="1" dirty="0"/>
           </a:p>
@@ -15439,7 +15451,7 @@
           <a:p>
             <a:fld id="{623201EE-611C-429E-B6C7-DF3E08DC77B3}" type="slidenum">
               <a:rPr lang="nl-NL" smtClean="0"/>
-              <a:t>31</a:t>
+              <a:t>29</a:t>
             </a:fld>
             <a:endParaRPr lang="nl-NL"/>
           </a:p>
@@ -15448,7 +15460,7 @@
     </p:spTree>
     <p:extLst>
       <p:ext uri="{BB962C8B-B14F-4D97-AF65-F5344CB8AC3E}">
-        <p14:creationId xmlns:p14="http://schemas.microsoft.com/office/powerpoint/2010/main" val="1685861536"/>
+        <p14:creationId xmlns:p14="http://schemas.microsoft.com/office/powerpoint/2010/main" val="3054129440"/>
       </p:ext>
     </p:extLst>
   </p:cSld>
@@ -15523,7 +15535,7 @@
           <a:p>
             <a:fld id="{623201EE-611C-429E-B6C7-DF3E08DC77B3}" type="slidenum">
               <a:rPr lang="nl-NL" smtClean="0"/>
-              <a:t>9</a:t>
+              <a:t>8</a:t>
             </a:fld>
             <a:endParaRPr lang="nl-NL"/>
           </a:p>
@@ -15532,7 +15544,7 @@
     </p:spTree>
     <p:extLst>
       <p:ext uri="{BB962C8B-B14F-4D97-AF65-F5344CB8AC3E}">
-        <p14:creationId xmlns:p14="http://schemas.microsoft.com/office/powerpoint/2010/main" val="3966312438"/>
+        <p14:creationId xmlns:p14="http://schemas.microsoft.com/office/powerpoint/2010/main" val="2414524454"/>
       </p:ext>
     </p:extLst>
   </p:cSld>
@@ -15619,6 +15631,102 @@
           <a:p>
             <a:fld id="{623201EE-611C-429E-B6C7-DF3E08DC77B3}" type="slidenum">
               <a:rPr lang="nl-NL" smtClean="0"/>
+              <a:t>31</a:t>
+            </a:fld>
+            <a:endParaRPr lang="nl-NL"/>
+          </a:p>
+        </p:txBody>
+      </p:sp>
+    </p:spTree>
+    <p:extLst>
+      <p:ext uri="{BB962C8B-B14F-4D97-AF65-F5344CB8AC3E}">
+        <p14:creationId xmlns:p14="http://schemas.microsoft.com/office/powerpoint/2010/main" val="1685861536"/>
+      </p:ext>
+    </p:extLst>
+  </p:cSld>
+  <p:clrMapOvr>
+    <a:masterClrMapping/>
+  </p:clrMapOvr>
+</p:notes>
+</file>
+
+<file path=ppt/notesSlides/notesSlide21.xml><?xml version="1.0" encoding="utf-8"?>
+<p:notes xmlns:a="http://schemas.openxmlformats.org/drawingml/2006/main" xmlns:r="http://schemas.openxmlformats.org/officeDocument/2006/relationships" xmlns:p="http://schemas.openxmlformats.org/presentationml/2006/main">
+  <p:cSld>
+    <p:spTree>
+      <p:nvGrpSpPr>
+        <p:cNvPr id="1" name=""/>
+        <p:cNvGrpSpPr/>
+        <p:nvPr/>
+      </p:nvGrpSpPr>
+      <p:grpSpPr>
+        <a:xfrm>
+          <a:off x="0" y="0"/>
+          <a:ext cx="0" cy="0"/>
+          <a:chOff x="0" y="0"/>
+          <a:chExt cx="0" cy="0"/>
+        </a:xfrm>
+      </p:grpSpPr>
+      <p:sp>
+        <p:nvSpPr>
+          <p:cNvPr id="2" name="Tijdelijke aanduiding voor dia-afbeelding 1"/>
+          <p:cNvSpPr>
+            <a:spLocks noGrp="1" noRot="1" noChangeAspect="1"/>
+          </p:cNvSpPr>
+          <p:nvPr>
+            <p:ph type="sldImg"/>
+          </p:nvPr>
+        </p:nvSpPr>
+        <p:spPr/>
+      </p:sp>
+      <p:sp>
+        <p:nvSpPr>
+          <p:cNvPr id="3" name="Tijdelijke aanduiding voor notities 2"/>
+          <p:cNvSpPr>
+            <a:spLocks noGrp="1"/>
+          </p:cNvSpPr>
+          <p:nvPr>
+            <p:ph type="body" idx="1"/>
+          </p:nvPr>
+        </p:nvSpPr>
+        <p:spPr/>
+        <p:txBody>
+          <a:bodyPr/>
+          <a:lstStyle/>
+          <a:p>
+            <a:r>
+              <a:rPr lang="nl-NL" dirty="0"/>
+              <a:t>Zie </a:t>
+            </a:r>
+            <a:r>
+              <a:rPr lang="en-US" b="1" dirty="0" err="1"/>
+              <a:t>example.ui.input.elements.R</a:t>
+            </a:r>
+            <a:r>
+              <a:rPr lang="en-US" b="0" dirty="0"/>
+              <a:t> </a:t>
+            </a:r>
+            <a:endParaRPr lang="nl-NL" b="1" dirty="0"/>
+          </a:p>
+        </p:txBody>
+      </p:sp>
+      <p:sp>
+        <p:nvSpPr>
+          <p:cNvPr id="4" name="Tijdelijke aanduiding voor dianummer 3"/>
+          <p:cNvSpPr>
+            <a:spLocks noGrp="1"/>
+          </p:cNvSpPr>
+          <p:nvPr>
+            <p:ph type="sldNum" sz="quarter" idx="5"/>
+          </p:nvPr>
+        </p:nvSpPr>
+        <p:spPr/>
+        <p:txBody>
+          <a:bodyPr/>
+          <a:lstStyle/>
+          <a:p>
+            <a:fld id="{623201EE-611C-429E-B6C7-DF3E08DC77B3}" type="slidenum">
+              <a:rPr lang="nl-NL" smtClean="0"/>
               <a:t>32</a:t>
             </a:fld>
             <a:endParaRPr lang="nl-NL"/>
@@ -15638,7 +15746,7 @@
 </p:notes>
 </file>
 
-<file path=ppt/notesSlides/notesSlide21.xml><?xml version="1.0" encoding="utf-8"?>
+<file path=ppt/notesSlides/notesSlide22.xml><?xml version="1.0" encoding="utf-8"?>
 <p:notes xmlns:a="http://schemas.openxmlformats.org/drawingml/2006/main" xmlns:r="http://schemas.openxmlformats.org/officeDocument/2006/relationships" xmlns:p="http://schemas.openxmlformats.org/presentationml/2006/main">
   <p:cSld>
     <p:spTree>
@@ -15722,7 +15830,7 @@
 </p:notes>
 </file>
 
-<file path=ppt/notesSlides/notesSlide22.xml><?xml version="1.0" encoding="utf-8"?>
+<file path=ppt/notesSlides/notesSlide23.xml><?xml version="1.0" encoding="utf-8"?>
 <p:notes xmlns:a="http://schemas.openxmlformats.org/drawingml/2006/main" xmlns:r="http://schemas.openxmlformats.org/officeDocument/2006/relationships" xmlns:p="http://schemas.openxmlformats.org/presentationml/2006/main">
   <p:cSld>
     <p:spTree>
@@ -15835,7 +15943,7 @@
 </p:notes>
 </file>
 
-<file path=ppt/notesSlides/notesSlide23.xml><?xml version="1.0" encoding="utf-8"?>
+<file path=ppt/notesSlides/notesSlide24.xml><?xml version="1.0" encoding="utf-8"?>
 <p:notes xmlns:a="http://schemas.openxmlformats.org/drawingml/2006/main" xmlns:r="http://schemas.openxmlformats.org/officeDocument/2006/relationships" xmlns:p="http://schemas.openxmlformats.org/presentationml/2006/main">
   <p:cSld>
     <p:spTree>
@@ -15919,7 +16027,7 @@
 </p:notes>
 </file>
 
-<file path=ppt/notesSlides/notesSlide24.xml><?xml version="1.0" encoding="utf-8"?>
+<file path=ppt/notesSlides/notesSlide25.xml><?xml version="1.0" encoding="utf-8"?>
 <p:notes xmlns:a="http://schemas.openxmlformats.org/drawingml/2006/main" xmlns:r="http://schemas.openxmlformats.org/officeDocument/2006/relationships" xmlns:p="http://schemas.openxmlformats.org/presentationml/2006/main">
   <p:cSld>
     <p:spTree>
@@ -16027,7 +16135,7 @@
 </p:notes>
 </file>
 
-<file path=ppt/notesSlides/notesSlide25.xml><?xml version="1.0" encoding="utf-8"?>
+<file path=ppt/notesSlides/notesSlide26.xml><?xml version="1.0" encoding="utf-8"?>
 <p:notes xmlns:a="http://schemas.openxmlformats.org/drawingml/2006/main" xmlns:r="http://schemas.openxmlformats.org/officeDocument/2006/relationships" xmlns:p="http://schemas.openxmlformats.org/presentationml/2006/main">
   <p:cSld>
     <p:spTree>
@@ -16135,7 +16243,7 @@
 </p:notes>
 </file>
 
-<file path=ppt/notesSlides/notesSlide26.xml><?xml version="1.0" encoding="utf-8"?>
+<file path=ppt/notesSlides/notesSlide27.xml><?xml version="1.0" encoding="utf-8"?>
 <p:notes xmlns:a="http://schemas.openxmlformats.org/drawingml/2006/main" xmlns:r="http://schemas.openxmlformats.org/officeDocument/2006/relationships" xmlns:p="http://schemas.openxmlformats.org/presentationml/2006/main">
   <p:cSld>
     <p:spTree>
@@ -16243,7 +16351,7 @@
 </p:notes>
 </file>
 
-<file path=ppt/notesSlides/notesSlide27.xml><?xml version="1.0" encoding="utf-8"?>
+<file path=ppt/notesSlides/notesSlide28.xml><?xml version="1.0" encoding="utf-8"?>
 <p:notes xmlns:a="http://schemas.openxmlformats.org/drawingml/2006/main" xmlns:r="http://schemas.openxmlformats.org/officeDocument/2006/relationships" xmlns:p="http://schemas.openxmlformats.org/presentationml/2006/main">
   <p:cSld>
     <p:spTree>
@@ -16371,10 +16479,7 @@
           <a:bodyPr/>
           <a:lstStyle/>
           <a:p>
-            <a:r>
-              <a:rPr lang="nl-NL" dirty="0"/>
-              <a:t>R kent verschillende </a:t>
-            </a:r>
+            <a:endParaRPr lang="nl-NL" dirty="0"/>
           </a:p>
         </p:txBody>
       </p:sp>
@@ -16395,7 +16500,7 @@
           <a:p>
             <a:fld id="{623201EE-611C-429E-B6C7-DF3E08DC77B3}" type="slidenum">
               <a:rPr lang="nl-NL" smtClean="0"/>
-              <a:t>10</a:t>
+              <a:t>9</a:t>
             </a:fld>
             <a:endParaRPr lang="nl-NL"/>
           </a:p>
@@ -16404,7 +16509,7 @@
     </p:spTree>
     <p:extLst>
       <p:ext uri="{BB962C8B-B14F-4D97-AF65-F5344CB8AC3E}">
-        <p14:creationId xmlns:p14="http://schemas.microsoft.com/office/powerpoint/2010/main" val="2801959231"/>
+        <p14:creationId xmlns:p14="http://schemas.microsoft.com/office/powerpoint/2010/main" val="3966312438"/>
       </p:ext>
     </p:extLst>
   </p:cSld>
@@ -16460,6 +16565,205 @@
           <a:p>
             <a:r>
               <a:rPr lang="nl-NL" dirty="0"/>
+              <a:t>R kent verschillende systemen om data handling uit te voeren. </a:t>
+            </a:r>
+          </a:p>
+          <a:p>
+            <a:endParaRPr lang="nl-NL" dirty="0"/>
+          </a:p>
+          <a:p>
+            <a:pPr marL="171450" indent="-171450">
+              <a:buFontTx/>
+              <a:buChar char="-"/>
+            </a:pPr>
+            <a:r>
+              <a:rPr lang="nl-NL" b="0" dirty="0"/>
+              <a:t>Met </a:t>
+            </a:r>
+            <a:r>
+              <a:rPr lang="nl-NL" b="0" i="1" dirty="0"/>
+              <a:t>base R</a:t>
+            </a:r>
+            <a:r>
+              <a:rPr lang="nl-NL" b="0" dirty="0"/>
+              <a:t> worden alle </a:t>
+            </a:r>
+            <a:r>
+              <a:rPr lang="nl-NL" b="0" i="1" dirty="0"/>
+              <a:t>tools</a:t>
+            </a:r>
+            <a:r>
+              <a:rPr lang="nl-NL" b="0" i="0" dirty="0"/>
+              <a:t> bedoeld die standaard in de programmeertaal aanwezig zijn zonder dat men daar library's voor hoeft in te laden. </a:t>
+            </a:r>
+          </a:p>
+          <a:p>
+            <a:pPr marL="171450" indent="-171450">
+              <a:buFontTx/>
+              <a:buChar char="-"/>
+            </a:pPr>
+            <a:endParaRPr lang="nl-NL" b="0" i="0" dirty="0"/>
+          </a:p>
+          <a:p>
+            <a:pPr marL="171450" indent="-171450">
+              <a:buFontTx/>
+              <a:buChar char="-"/>
+            </a:pPr>
+            <a:r>
+              <a:rPr lang="nl-NL" dirty="0" err="1"/>
+              <a:t>Tidy</a:t>
+            </a:r>
+            <a:r>
+              <a:rPr lang="nl-NL" dirty="0"/>
+              <a:t> data handling (m.b.v. </a:t>
+            </a:r>
+            <a:r>
+              <a:rPr lang="nl-NL" dirty="0" err="1"/>
+              <a:t>plyr</a:t>
+            </a:r>
+            <a:r>
+              <a:rPr lang="nl-NL" dirty="0"/>
+              <a:t> </a:t>
+            </a:r>
+            <a:r>
+              <a:rPr lang="nl-NL" dirty="0" err="1"/>
+              <a:t>verbs</a:t>
+            </a:r>
+            <a:r>
+              <a:rPr lang="nl-NL" dirty="0"/>
+              <a:t>) is wat men tegenwoordig doorgaans aangeleerd krijgt in opleidingen waarin R wordt onderwezen. Het </a:t>
+            </a:r>
+            <a:r>
+              <a:rPr lang="nl-NL" i="1" dirty="0" err="1"/>
+              <a:t>tidyverse</a:t>
+            </a:r>
+            <a:r>
+              <a:rPr lang="nl-NL" i="1" dirty="0"/>
+              <a:t> </a:t>
+            </a:r>
+            <a:r>
+              <a:rPr lang="nl-NL" i="0" dirty="0"/>
+              <a:t>ecosysteem kenmerkt zich door een hoge mate van standaardisatie van syntax; de resulterende code is doorgaans leesbaarder dan base R of </a:t>
+            </a:r>
+            <a:r>
+              <a:rPr lang="nl-NL" i="0" dirty="0" err="1"/>
+              <a:t>data.table</a:t>
+            </a:r>
+            <a:r>
+              <a:rPr lang="nl-NL" i="0" dirty="0"/>
+              <a:t>. </a:t>
+            </a:r>
+            <a:endParaRPr lang="nl-NL" i="1" dirty="0"/>
+          </a:p>
+          <a:p>
+            <a:pPr marL="171450" indent="-171450">
+              <a:buFontTx/>
+              <a:buChar char="-"/>
+            </a:pPr>
+            <a:endParaRPr lang="nl-NL" dirty="0"/>
+          </a:p>
+          <a:p>
+            <a:pPr marL="171450" indent="-171450">
+              <a:buFontTx/>
+              <a:buChar char="-"/>
+            </a:pPr>
+            <a:r>
+              <a:rPr lang="nl-NL" b="0" dirty="0"/>
+              <a:t>Het </a:t>
+            </a:r>
+            <a:r>
+              <a:rPr lang="nl-NL" b="0" i="1" dirty="0" err="1"/>
+              <a:t>data.table</a:t>
+            </a:r>
+            <a:r>
+              <a:rPr lang="nl-NL" b="0" dirty="0"/>
+              <a:t> package heeft momenteel onze voorkeur vanwege de superieure performance, zowel qua snelheid als ram geheugen. </a:t>
+            </a:r>
+          </a:p>
+        </p:txBody>
+      </p:sp>
+      <p:sp>
+        <p:nvSpPr>
+          <p:cNvPr id="4" name="Tijdelijke aanduiding voor dianummer 3"/>
+          <p:cNvSpPr>
+            <a:spLocks noGrp="1"/>
+          </p:cNvSpPr>
+          <p:nvPr>
+            <p:ph type="sldNum" sz="quarter" idx="5"/>
+          </p:nvPr>
+        </p:nvSpPr>
+        <p:spPr/>
+        <p:txBody>
+          <a:bodyPr/>
+          <a:lstStyle/>
+          <a:p>
+            <a:fld id="{623201EE-611C-429E-B6C7-DF3E08DC77B3}" type="slidenum">
+              <a:rPr lang="nl-NL" smtClean="0"/>
+              <a:t>10</a:t>
+            </a:fld>
+            <a:endParaRPr lang="nl-NL"/>
+          </a:p>
+        </p:txBody>
+      </p:sp>
+    </p:spTree>
+    <p:extLst>
+      <p:ext uri="{BB962C8B-B14F-4D97-AF65-F5344CB8AC3E}">
+        <p14:creationId xmlns:p14="http://schemas.microsoft.com/office/powerpoint/2010/main" val="2801959231"/>
+      </p:ext>
+    </p:extLst>
+  </p:cSld>
+  <p:clrMapOvr>
+    <a:masterClrMapping/>
+  </p:clrMapOvr>
+</p:notes>
+</file>
+
+<file path=ppt/notesSlides/notesSlide5.xml><?xml version="1.0" encoding="utf-8"?>
+<p:notes xmlns:a="http://schemas.openxmlformats.org/drawingml/2006/main" xmlns:r="http://schemas.openxmlformats.org/officeDocument/2006/relationships" xmlns:p="http://schemas.openxmlformats.org/presentationml/2006/main">
+  <p:cSld>
+    <p:spTree>
+      <p:nvGrpSpPr>
+        <p:cNvPr id="1" name=""/>
+        <p:cNvGrpSpPr/>
+        <p:nvPr/>
+      </p:nvGrpSpPr>
+      <p:grpSpPr>
+        <a:xfrm>
+          <a:off x="0" y="0"/>
+          <a:ext cx="0" cy="0"/>
+          <a:chOff x="0" y="0"/>
+          <a:chExt cx="0" cy="0"/>
+        </a:xfrm>
+      </p:grpSpPr>
+      <p:sp>
+        <p:nvSpPr>
+          <p:cNvPr id="2" name="Tijdelijke aanduiding voor dia-afbeelding 1"/>
+          <p:cNvSpPr>
+            <a:spLocks noGrp="1" noRot="1" noChangeAspect="1"/>
+          </p:cNvSpPr>
+          <p:nvPr>
+            <p:ph type="sldImg"/>
+          </p:nvPr>
+        </p:nvSpPr>
+        <p:spPr/>
+      </p:sp>
+      <p:sp>
+        <p:nvSpPr>
+          <p:cNvPr id="3" name="Tijdelijke aanduiding voor notities 2"/>
+          <p:cNvSpPr>
+            <a:spLocks noGrp="1"/>
+          </p:cNvSpPr>
+          <p:nvPr>
+            <p:ph type="body" idx="1"/>
+          </p:nvPr>
+        </p:nvSpPr>
+        <p:spPr/>
+        <p:txBody>
+          <a:bodyPr/>
+          <a:lstStyle/>
+          <a:p>
+            <a:r>
+              <a:rPr lang="nl-NL" dirty="0"/>
               <a:t>Afhankelijk van het doel van de code zijn </a:t>
             </a:r>
             <a:r>
@@ -16556,7 +16860,7 @@
 </p:notes>
 </file>
 
-<file path=ppt/notesSlides/notesSlide5.xml><?xml version="1.0" encoding="utf-8"?>
+<file path=ppt/notesSlides/notesSlide6.xml><?xml version="1.0" encoding="utf-8"?>
 <p:notes xmlns:a="http://schemas.openxmlformats.org/drawingml/2006/main" xmlns:r="http://schemas.openxmlformats.org/officeDocument/2006/relationships" xmlns:p="http://schemas.openxmlformats.org/presentationml/2006/main">
   <p:cSld>
     <p:spTree>
@@ -16640,7 +16944,7 @@
 </p:notes>
 </file>
 
-<file path=ppt/notesSlides/notesSlide6.xml><?xml version="1.0" encoding="utf-8"?>
+<file path=ppt/notesSlides/notesSlide7.xml><?xml version="1.0" encoding="utf-8"?>
 <p:notes xmlns:a="http://schemas.openxmlformats.org/drawingml/2006/main" xmlns:r="http://schemas.openxmlformats.org/officeDocument/2006/relationships" xmlns:p="http://schemas.openxmlformats.org/presentationml/2006/main">
   <p:cSld>
     <p:spTree>
@@ -16748,7 +17052,7 @@
 </p:notes>
 </file>
 
-<file path=ppt/notesSlides/notesSlide7.xml><?xml version="1.0" encoding="utf-8"?>
+<file path=ppt/notesSlides/notesSlide8.xml><?xml version="1.0" encoding="utf-8"?>
 <p:notes xmlns:a="http://schemas.openxmlformats.org/drawingml/2006/main" xmlns:r="http://schemas.openxmlformats.org/officeDocument/2006/relationships" xmlns:p="http://schemas.openxmlformats.org/presentationml/2006/main">
   <p:cSld>
     <p:spTree>
@@ -16832,7 +17136,7 @@
 </p:notes>
 </file>
 
-<file path=ppt/notesSlides/notesSlide8.xml><?xml version="1.0" encoding="utf-8"?>
+<file path=ppt/notesSlides/notesSlide9.xml><?xml version="1.0" encoding="utf-8"?>
 <p:notes xmlns:a="http://schemas.openxmlformats.org/drawingml/2006/main" xmlns:r="http://schemas.openxmlformats.org/officeDocument/2006/relationships" xmlns:p="http://schemas.openxmlformats.org/presentationml/2006/main">
   <p:cSld>
     <p:spTree>
@@ -16907,114 +17211,6 @@
     <p:extLst>
       <p:ext uri="{BB962C8B-B14F-4D97-AF65-F5344CB8AC3E}">
         <p14:creationId xmlns:p14="http://schemas.microsoft.com/office/powerpoint/2010/main" val="238816639"/>
-      </p:ext>
-    </p:extLst>
-  </p:cSld>
-  <p:clrMapOvr>
-    <a:masterClrMapping/>
-  </p:clrMapOvr>
-</p:notes>
-</file>
-
-<file path=ppt/notesSlides/notesSlide9.xml><?xml version="1.0" encoding="utf-8"?>
-<p:notes xmlns:a="http://schemas.openxmlformats.org/drawingml/2006/main" xmlns:r="http://schemas.openxmlformats.org/officeDocument/2006/relationships" xmlns:p="http://schemas.openxmlformats.org/presentationml/2006/main">
-  <p:cSld>
-    <p:spTree>
-      <p:nvGrpSpPr>
-        <p:cNvPr id="1" name="">
-          <a:extLst>
-            <a:ext uri="{FF2B5EF4-FFF2-40B4-BE49-F238E27FC236}">
-              <a16:creationId xmlns:a16="http://schemas.microsoft.com/office/drawing/2014/main" id="{78BDCF28-17F7-B60A-152D-B849CDEE2DD1}"/>
-            </a:ext>
-          </a:extLst>
-        </p:cNvPr>
-        <p:cNvGrpSpPr/>
-        <p:nvPr/>
-      </p:nvGrpSpPr>
-      <p:grpSpPr>
-        <a:xfrm>
-          <a:off x="0" y="0"/>
-          <a:ext cx="0" cy="0"/>
-          <a:chOff x="0" y="0"/>
-          <a:chExt cx="0" cy="0"/>
-        </a:xfrm>
-      </p:grpSpPr>
-      <p:sp>
-        <p:nvSpPr>
-          <p:cNvPr id="2" name="Tijdelijke aanduiding voor dia-afbeelding 1">
-            <a:extLst>
-              <a:ext uri="{FF2B5EF4-FFF2-40B4-BE49-F238E27FC236}">
-                <a16:creationId xmlns:a16="http://schemas.microsoft.com/office/drawing/2014/main" id="{AAF5266D-0C29-C044-2518-837A64127A8C}"/>
-              </a:ext>
-            </a:extLst>
-          </p:cNvPr>
-          <p:cNvSpPr>
-            <a:spLocks noGrp="1" noRot="1" noChangeAspect="1"/>
-          </p:cNvSpPr>
-          <p:nvPr>
-            <p:ph type="sldImg"/>
-          </p:nvPr>
-        </p:nvSpPr>
-        <p:spPr/>
-      </p:sp>
-      <p:sp>
-        <p:nvSpPr>
-          <p:cNvPr id="3" name="Tijdelijke aanduiding voor notities 2">
-            <a:extLst>
-              <a:ext uri="{FF2B5EF4-FFF2-40B4-BE49-F238E27FC236}">
-                <a16:creationId xmlns:a16="http://schemas.microsoft.com/office/drawing/2014/main" id="{2097D01A-E7B9-8C84-73B9-9B5640B454D4}"/>
-              </a:ext>
-            </a:extLst>
-          </p:cNvPr>
-          <p:cNvSpPr>
-            <a:spLocks noGrp="1"/>
-          </p:cNvSpPr>
-          <p:nvPr>
-            <p:ph type="body" idx="1"/>
-          </p:nvPr>
-        </p:nvSpPr>
-        <p:spPr/>
-        <p:txBody>
-          <a:bodyPr/>
-          <a:lstStyle/>
-          <a:p>
-            <a:endParaRPr lang="nl-NL" dirty="0"/>
-          </a:p>
-        </p:txBody>
-      </p:sp>
-      <p:sp>
-        <p:nvSpPr>
-          <p:cNvPr id="4" name="Tijdelijke aanduiding voor dianummer 3">
-            <a:extLst>
-              <a:ext uri="{FF2B5EF4-FFF2-40B4-BE49-F238E27FC236}">
-                <a16:creationId xmlns:a16="http://schemas.microsoft.com/office/drawing/2014/main" id="{90C737F4-0DED-F12C-4DA0-6FD10101DEB4}"/>
-              </a:ext>
-            </a:extLst>
-          </p:cNvPr>
-          <p:cNvSpPr>
-            <a:spLocks noGrp="1"/>
-          </p:cNvSpPr>
-          <p:nvPr>
-            <p:ph type="sldNum" sz="quarter" idx="5"/>
-          </p:nvPr>
-        </p:nvSpPr>
-        <p:spPr/>
-        <p:txBody>
-          <a:bodyPr/>
-          <a:lstStyle/>
-          <a:p>
-            <a:fld id="{623201EE-611C-429E-B6C7-DF3E08DC77B3}" type="slidenum">
-              <a:rPr lang="nl-NL" smtClean="0"/>
-              <a:t>19</a:t>
-            </a:fld>
-            <a:endParaRPr lang="nl-NL"/>
-          </a:p>
-        </p:txBody>
-      </p:sp>
-    </p:spTree>
-    <p:extLst>
-      <p:ext uri="{BB962C8B-B14F-4D97-AF65-F5344CB8AC3E}">
-        <p14:creationId xmlns:p14="http://schemas.microsoft.com/office/powerpoint/2010/main" val="1211460587"/>
       </p:ext>
     </p:extLst>
   </p:cSld>
@@ -17949,7 +18145,7 @@
         </p:blipFill>
         <p:spPr>
           <a:xfrm>
-            <a:off x="3910013" y="1894146"/>
+            <a:off x="6096000" y="1244014"/>
             <a:ext cx="4687888" cy="2733020"/>
           </a:xfrm>
           <a:prstGeom prst="rect">
@@ -17979,7 +18175,7 @@
         </p:blipFill>
         <p:spPr>
           <a:xfrm>
-            <a:off x="4697558" y="2470251"/>
+            <a:off x="3186259" y="3790365"/>
             <a:ext cx="4687888" cy="2733020"/>
           </a:xfrm>
           <a:prstGeom prst="rect">
@@ -45214,7 +45410,7 @@
     <p:bg>
       <p:bgPr>
         <a:blipFill dpi="0" rotWithShape="1">
-          <a:blip r:embed="rId2">
+          <a:blip r:embed="rId3">
             <a:lum/>
           </a:blip>
           <a:srcRect/>
@@ -45523,8 +45719,8 @@
         </p:nvSpPr>
         <p:spPr>
           <a:xfrm>
-            <a:off x="3311425" y="969715"/>
-            <a:ext cx="8554302" cy="4616648"/>
+            <a:off x="3186259" y="969715"/>
+            <a:ext cx="8662841" cy="5878532"/>
           </a:xfrm>
           <a:prstGeom prst="rect">
             <a:avLst/>
@@ -45541,7 +45737,7 @@
               <a:buFont typeface="Arial" panose="020B0604020202020204" pitchFamily="34" charset="0"/>
               <a:buChar char="•"/>
             </a:pPr>
-            <a:endParaRPr lang="nl-NL" b="1" dirty="0">
+            <a:endParaRPr lang="nl-NL" sz="2000" b="1" dirty="0">
               <a:solidFill>
                 <a:schemeClr val="bg1"/>
               </a:solidFill>
@@ -45549,7 +45745,7 @@
           </a:p>
           <a:p>
             <a:r>
-              <a:rPr lang="nl-NL" sz="2000" b="1" dirty="0" err="1">
+              <a:rPr lang="nl-NL" sz="2400" b="1" dirty="0" err="1">
                 <a:solidFill>
                   <a:schemeClr val="bg1"/>
                 </a:solidFill>
@@ -45557,7 +45753,7 @@
               <a:t>Many</a:t>
             </a:r>
             <a:r>
-              <a:rPr lang="nl-NL" sz="2000" b="1" dirty="0">
+              <a:rPr lang="nl-NL" sz="2400" b="1" dirty="0">
                 <a:solidFill>
                   <a:schemeClr val="bg1"/>
                 </a:solidFill>
@@ -45565,7 +45761,7 @@
               <a:t> of </a:t>
             </a:r>
             <a:r>
-              <a:rPr lang="nl-NL" sz="2000" b="1" dirty="0" err="1">
+              <a:rPr lang="nl-NL" sz="2400" b="1" dirty="0" err="1">
                 <a:solidFill>
                   <a:schemeClr val="bg1"/>
                 </a:solidFill>
@@ -45573,7 +45769,7 @@
               <a:t>you</a:t>
             </a:r>
             <a:r>
-              <a:rPr lang="nl-NL" sz="2000" b="1" dirty="0">
+              <a:rPr lang="nl-NL" sz="2400" b="1" dirty="0">
                 <a:solidFill>
                   <a:schemeClr val="bg1"/>
                 </a:solidFill>
@@ -45581,7 +45777,7 @@
               <a:t> </a:t>
             </a:r>
             <a:r>
-              <a:rPr lang="nl-NL" sz="2000" b="1" dirty="0" err="1">
+              <a:rPr lang="nl-NL" sz="2400" b="1" dirty="0" err="1">
                 <a:solidFill>
                   <a:schemeClr val="bg1"/>
                 </a:solidFill>
@@ -45589,7 +45785,7 @@
               <a:t>know</a:t>
             </a:r>
             <a:r>
-              <a:rPr lang="nl-NL" sz="2000" b="1" dirty="0">
+              <a:rPr lang="nl-NL" sz="2400" b="1" dirty="0">
                 <a:solidFill>
                   <a:schemeClr val="bg1"/>
                 </a:solidFill>
@@ -45597,7 +45793,7 @@
               <a:t> R, but R is </a:t>
             </a:r>
             <a:r>
-              <a:rPr lang="nl-NL" sz="2000" b="1" dirty="0" err="1">
+              <a:rPr lang="nl-NL" sz="2400" b="1" dirty="0" err="1">
                 <a:solidFill>
                   <a:schemeClr val="bg1"/>
                 </a:solidFill>
@@ -45605,7 +45801,7 @@
               <a:t>not</a:t>
             </a:r>
             <a:r>
-              <a:rPr lang="nl-NL" sz="2000" b="1" dirty="0">
+              <a:rPr lang="nl-NL" sz="2400" b="1" dirty="0">
                 <a:solidFill>
                   <a:schemeClr val="bg1"/>
                 </a:solidFill>
@@ -45613,7 +45809,23 @@
               <a:t> </a:t>
             </a:r>
             <a:r>
-              <a:rPr lang="nl-NL" sz="2000" b="1" dirty="0" err="1">
+              <a:rPr lang="nl-NL" sz="2400" b="1" dirty="0" err="1">
+                <a:solidFill>
+                  <a:schemeClr val="bg1"/>
+                </a:solidFill>
+              </a:rPr>
+              <a:t>used</a:t>
+            </a:r>
+            <a:r>
+              <a:rPr lang="nl-NL" sz="2400" b="1" dirty="0">
+                <a:solidFill>
+                  <a:schemeClr val="bg1"/>
+                </a:solidFill>
+              </a:rPr>
+              <a:t> </a:t>
+            </a:r>
+            <a:r>
+              <a:rPr lang="nl-NL" sz="2400" b="1" dirty="0" err="1">
                 <a:solidFill>
                   <a:schemeClr val="bg1"/>
                 </a:solidFill>
@@ -45621,7 +45833,7 @@
               <a:t>the</a:t>
             </a:r>
             <a:r>
-              <a:rPr lang="nl-NL" sz="2000" b="1" dirty="0">
+              <a:rPr lang="nl-NL" sz="2400" b="1" dirty="0">
                 <a:solidFill>
                   <a:schemeClr val="bg1"/>
                 </a:solidFill>
@@ -45629,7 +45841,7 @@
               <a:t> </a:t>
             </a:r>
             <a:r>
-              <a:rPr lang="nl-NL" sz="2000" b="1" dirty="0" err="1">
+              <a:rPr lang="nl-NL" sz="2400" b="1" dirty="0" err="1">
                 <a:solidFill>
                   <a:schemeClr val="bg1"/>
                 </a:solidFill>
@@ -45637,7 +45849,7 @@
               <a:t>same</a:t>
             </a:r>
             <a:r>
-              <a:rPr lang="nl-NL" sz="2000" b="1" dirty="0">
+              <a:rPr lang="nl-NL" sz="2400" b="1" dirty="0">
                 <a:solidFill>
                   <a:schemeClr val="bg1"/>
                 </a:solidFill>
@@ -45645,7 +45857,7 @@
               <a:t> </a:t>
             </a:r>
             <a:r>
-              <a:rPr lang="nl-NL" sz="2000" b="1" dirty="0" err="1">
+              <a:rPr lang="nl-NL" sz="2400" b="1" dirty="0" err="1">
                 <a:solidFill>
                   <a:schemeClr val="bg1"/>
                 </a:solidFill>
@@ -45653,139 +45865,18 @@
               <a:t>everywhere</a:t>
             </a:r>
             <a:r>
-              <a:rPr lang="nl-NL" sz="2000" b="1" dirty="0">
+              <a:rPr lang="nl-NL" sz="2400" b="1" dirty="0">
                 <a:solidFill>
                   <a:schemeClr val="bg1"/>
                 </a:solidFill>
               </a:rPr>
               <a:t>: </a:t>
             </a:r>
-            <a:endParaRPr lang="nl-NL" b="1" dirty="0">
+            <a:endParaRPr lang="nl-NL" sz="2000" b="1" dirty="0">
               <a:solidFill>
                 <a:schemeClr val="bg1"/>
               </a:solidFill>
             </a:endParaRPr>
-          </a:p>
-          <a:p>
-            <a:pPr marL="285750" indent="-285750">
-              <a:buFont typeface="Arial" panose="020B0604020202020204" pitchFamily="34" charset="0"/>
-              <a:buChar char="•"/>
-            </a:pPr>
-            <a:endParaRPr lang="nl-NL" b="1" dirty="0">
-              <a:solidFill>
-                <a:schemeClr val="bg1"/>
-              </a:solidFill>
-            </a:endParaRPr>
-          </a:p>
-          <a:p>
-            <a:pPr marL="285750" indent="-285750">
-              <a:buFont typeface="Arial" panose="020B0604020202020204" pitchFamily="34" charset="0"/>
-              <a:buChar char="•"/>
-            </a:pPr>
-            <a:r>
-              <a:rPr lang="nl-NL" sz="2000" b="1" dirty="0">
-                <a:solidFill>
-                  <a:schemeClr val="bg1"/>
-                </a:solidFill>
-              </a:rPr>
-              <a:t>R has </a:t>
-            </a:r>
-            <a:r>
-              <a:rPr lang="nl-NL" sz="2000" b="1" dirty="0" err="1">
-                <a:solidFill>
-                  <a:schemeClr val="bg1"/>
-                </a:solidFill>
-              </a:rPr>
-              <a:t>many</a:t>
-            </a:r>
-            <a:r>
-              <a:rPr lang="nl-NL" sz="2000" b="1" dirty="0">
-                <a:solidFill>
-                  <a:schemeClr val="bg1"/>
-                </a:solidFill>
-              </a:rPr>
-              <a:t> different </a:t>
-            </a:r>
-            <a:r>
-              <a:rPr lang="nl-NL" sz="2000" b="1" dirty="0" err="1">
-                <a:solidFill>
-                  <a:schemeClr val="bg1"/>
-                </a:solidFill>
-              </a:rPr>
-              <a:t>solutions</a:t>
-            </a:r>
-            <a:r>
-              <a:rPr lang="nl-NL" sz="2000" b="1" dirty="0">
-                <a:solidFill>
-                  <a:schemeClr val="bg1"/>
-                </a:solidFill>
-              </a:rPr>
-              <a:t> </a:t>
-            </a:r>
-            <a:r>
-              <a:rPr lang="nl-NL" sz="2000" b="1" dirty="0" err="1">
-                <a:solidFill>
-                  <a:schemeClr val="bg1"/>
-                </a:solidFill>
-              </a:rPr>
-              <a:t>to</a:t>
-            </a:r>
-            <a:r>
-              <a:rPr lang="nl-NL" sz="2000" b="1" dirty="0">
-                <a:solidFill>
-                  <a:schemeClr val="bg1"/>
-                </a:solidFill>
-              </a:rPr>
-              <a:t> </a:t>
-            </a:r>
-            <a:r>
-              <a:rPr lang="nl-NL" sz="2000" b="1" dirty="0" err="1">
-                <a:solidFill>
-                  <a:schemeClr val="bg1"/>
-                </a:solidFill>
-              </a:rPr>
-              <a:t>the</a:t>
-            </a:r>
-            <a:r>
-              <a:rPr lang="nl-NL" sz="2000" b="1" dirty="0">
-                <a:solidFill>
-                  <a:schemeClr val="bg1"/>
-                </a:solidFill>
-              </a:rPr>
-              <a:t> </a:t>
-            </a:r>
-            <a:r>
-              <a:rPr lang="nl-NL" sz="2000" b="1" dirty="0" err="1">
-                <a:solidFill>
-                  <a:schemeClr val="bg1"/>
-                </a:solidFill>
-              </a:rPr>
-              <a:t>same</a:t>
-            </a:r>
-            <a:r>
-              <a:rPr lang="nl-NL" sz="2000" b="1" dirty="0">
-                <a:solidFill>
-                  <a:schemeClr val="bg1"/>
-                </a:solidFill>
-              </a:rPr>
-              <a:t> </a:t>
-            </a:r>
-            <a:r>
-              <a:rPr lang="nl-NL" sz="2000" b="1" dirty="0" err="1">
-                <a:solidFill>
-                  <a:schemeClr val="bg1"/>
-                </a:solidFill>
-              </a:rPr>
-              <a:t>problem</a:t>
-            </a:r>
-            <a:r>
-              <a:rPr lang="nl-NL" sz="2000" b="1" dirty="0">
-                <a:solidFill>
-                  <a:schemeClr val="bg1"/>
-                </a:solidFill>
-              </a:rPr>
-              <a:t>. </a:t>
-            </a:r>
           </a:p>
           <a:p>
             <a:pPr marL="285750" indent="-285750">
@@ -45804,23 +45895,55 @@
               <a:buChar char="•"/>
             </a:pPr>
             <a:r>
-              <a:rPr lang="nl-NL" sz="2000" b="1" dirty="0">
-                <a:solidFill>
-                  <a:schemeClr val="bg1"/>
-                </a:solidFill>
-              </a:rPr>
-              <a:t>The </a:t>
-            </a:r>
-            <a:r>
-              <a:rPr lang="nl-NL" sz="2000" b="1" dirty="0" err="1">
-                <a:solidFill>
-                  <a:schemeClr val="bg1"/>
-                </a:solidFill>
-              </a:rPr>
-              <a:t>commonly</a:t>
-            </a:r>
-            <a:r>
-              <a:rPr lang="nl-NL" sz="2000" b="1" dirty="0">
+              <a:rPr lang="nl-NL" sz="2400" dirty="0">
+                <a:solidFill>
+                  <a:schemeClr val="bg1"/>
+                </a:solidFill>
+              </a:rPr>
+              <a:t>In R </a:t>
+            </a:r>
+            <a:r>
+              <a:rPr lang="nl-NL" sz="2400" dirty="0" err="1">
+                <a:solidFill>
+                  <a:schemeClr val="bg1"/>
+                </a:solidFill>
+              </a:rPr>
+              <a:t>there</a:t>
+            </a:r>
+            <a:r>
+              <a:rPr lang="nl-NL" sz="2400" dirty="0">
+                <a:solidFill>
+                  <a:schemeClr val="bg1"/>
+                </a:solidFill>
+              </a:rPr>
+              <a:t> are </a:t>
+            </a:r>
+            <a:r>
+              <a:rPr lang="nl-NL" sz="2400" dirty="0" err="1">
+                <a:solidFill>
+                  <a:schemeClr val="bg1"/>
+                </a:solidFill>
+              </a:rPr>
+              <a:t>many</a:t>
+            </a:r>
+            <a:r>
+              <a:rPr lang="nl-NL" sz="2400" dirty="0">
+                <a:solidFill>
+                  <a:schemeClr val="bg1"/>
+                </a:solidFill>
+              </a:rPr>
+              <a:t> different </a:t>
+            </a:r>
+            <a:r>
+              <a:rPr lang="nl-NL" sz="2400" dirty="0" err="1">
+                <a:solidFill>
+                  <a:schemeClr val="bg1"/>
+                </a:solidFill>
+              </a:rPr>
+              <a:t>solutions</a:t>
+            </a:r>
+            <a:r>
+              <a:rPr lang="nl-NL" sz="2400" dirty="0">
                 <a:solidFill>
                   <a:schemeClr val="bg1"/>
                 </a:solidFill>
@@ -45828,47 +45951,15 @@
               <a:t> </a:t>
             </a:r>
             <a:r>
-              <a:rPr lang="nl-NL" sz="2000" b="1" dirty="0" err="1">
-                <a:solidFill>
-                  <a:schemeClr val="bg1"/>
-                </a:solidFill>
-              </a:rPr>
-              <a:t>accepted</a:t>
-            </a:r>
-            <a:r>
-              <a:rPr lang="nl-NL" sz="2000" b="1" dirty="0">
-                <a:solidFill>
-                  <a:schemeClr val="bg1"/>
-                </a:solidFill>
-              </a:rPr>
-              <a:t> solution </a:t>
-            </a:r>
-            <a:r>
-              <a:rPr lang="nl-NL" sz="2000" b="1" dirty="0" err="1">
-                <a:solidFill>
-                  <a:schemeClr val="bg1"/>
-                </a:solidFill>
-              </a:rPr>
-              <a:t>for</a:t>
-            </a:r>
-            <a:r>
-              <a:rPr lang="nl-NL" sz="2000" b="1" dirty="0">
-                <a:solidFill>
-                  <a:schemeClr val="bg1"/>
-                </a:solidFill>
-              </a:rPr>
-              <a:t> a </a:t>
-            </a:r>
-            <a:r>
-              <a:rPr lang="nl-NL" sz="2000" b="1" dirty="0" err="1">
-                <a:solidFill>
-                  <a:schemeClr val="bg1"/>
-                </a:solidFill>
-              </a:rPr>
-              <a:t>given</a:t>
-            </a:r>
-            <a:r>
-              <a:rPr lang="nl-NL" sz="2000" b="1" dirty="0">
+              <a:rPr lang="nl-NL" sz="2400" dirty="0" err="1">
+                <a:solidFill>
+                  <a:schemeClr val="bg1"/>
+                </a:solidFill>
+              </a:rPr>
+              <a:t>to</a:t>
+            </a:r>
+            <a:r>
+              <a:rPr lang="nl-NL" sz="2400" dirty="0">
                 <a:solidFill>
                   <a:schemeClr val="bg1"/>
                 </a:solidFill>
@@ -45876,7 +45967,39 @@
               <a:t> </a:t>
             </a:r>
             <a:r>
-              <a:rPr lang="nl-NL" sz="2000" b="1" dirty="0" err="1">
+              <a:rPr lang="nl-NL" sz="2400" dirty="0" err="1">
+                <a:solidFill>
+                  <a:schemeClr val="bg1"/>
+                </a:solidFill>
+              </a:rPr>
+              <a:t>the</a:t>
+            </a:r>
+            <a:r>
+              <a:rPr lang="nl-NL" sz="2400" dirty="0">
+                <a:solidFill>
+                  <a:schemeClr val="bg1"/>
+                </a:solidFill>
+              </a:rPr>
+              <a:t> </a:t>
+            </a:r>
+            <a:r>
+              <a:rPr lang="nl-NL" sz="2400" dirty="0" err="1">
+                <a:solidFill>
+                  <a:schemeClr val="bg1"/>
+                </a:solidFill>
+              </a:rPr>
+              <a:t>same</a:t>
+            </a:r>
+            <a:r>
+              <a:rPr lang="nl-NL" sz="2400" dirty="0">
+                <a:solidFill>
+                  <a:schemeClr val="bg1"/>
+                </a:solidFill>
+              </a:rPr>
+              <a:t> </a:t>
+            </a:r>
+            <a:r>
+              <a:rPr lang="nl-NL" sz="2400" dirty="0" err="1">
                 <a:solidFill>
                   <a:schemeClr val="bg1"/>
                 </a:solidFill>
@@ -45884,140 +46007,12 @@
               <a:t>problem</a:t>
             </a:r>
             <a:r>
-              <a:rPr lang="nl-NL" sz="2000" b="1" dirty="0">
-                <a:solidFill>
-                  <a:schemeClr val="bg1"/>
-                </a:solidFill>
-              </a:rPr>
-              <a:t> in </a:t>
-            </a:r>
-            <a:r>
-              <a:rPr lang="nl-NL" sz="2000" b="1" dirty="0" err="1">
-                <a:solidFill>
-                  <a:schemeClr val="bg1"/>
-                </a:solidFill>
-              </a:rPr>
-              <a:t>academia</a:t>
-            </a:r>
-            <a:r>
-              <a:rPr lang="nl-NL" sz="2000" b="1" dirty="0">
-                <a:solidFill>
-                  <a:schemeClr val="bg1"/>
-                </a:solidFill>
-              </a:rPr>
-              <a:t>, Stackoverflow or </a:t>
-            </a:r>
-            <a:r>
-              <a:rPr lang="nl-NL" sz="2000" b="1" dirty="0" err="1">
-                <a:solidFill>
-                  <a:schemeClr val="bg1"/>
-                </a:solidFill>
-              </a:rPr>
-              <a:t>an</a:t>
-            </a:r>
-            <a:r>
-              <a:rPr lang="nl-NL" sz="2000" b="1" dirty="0">
-                <a:solidFill>
-                  <a:schemeClr val="bg1"/>
-                </a:solidFill>
-              </a:rPr>
-              <a:t> R tutorial </a:t>
-            </a:r>
-            <a:r>
-              <a:rPr lang="nl-NL" sz="2000" b="1" dirty="0" err="1">
-                <a:solidFill>
-                  <a:schemeClr val="bg1"/>
-                </a:solidFill>
-              </a:rPr>
-              <a:t>may</a:t>
-            </a:r>
-            <a:r>
-              <a:rPr lang="nl-NL" sz="2000" b="1" dirty="0">
-                <a:solidFill>
-                  <a:schemeClr val="bg1"/>
-                </a:solidFill>
-              </a:rPr>
-              <a:t> </a:t>
-            </a:r>
-            <a:r>
-              <a:rPr lang="nl-NL" sz="2000" b="1" dirty="0" err="1">
-                <a:solidFill>
-                  <a:schemeClr val="bg1"/>
-                </a:solidFill>
-              </a:rPr>
-              <a:t>often</a:t>
-            </a:r>
-            <a:r>
-              <a:rPr lang="nl-NL" sz="2000" b="1" dirty="0">
-                <a:solidFill>
-                  <a:schemeClr val="bg1"/>
-                </a:solidFill>
-              </a:rPr>
-              <a:t> </a:t>
-            </a:r>
-            <a:r>
-              <a:rPr lang="nl-NL" sz="2000" b="1" dirty="0" err="1">
-                <a:solidFill>
-                  <a:schemeClr val="bg1"/>
-                </a:solidFill>
-              </a:rPr>
-              <a:t>be</a:t>
-            </a:r>
-            <a:r>
-              <a:rPr lang="nl-NL" sz="2000" b="1" dirty="0">
-                <a:solidFill>
-                  <a:schemeClr val="bg1"/>
-                </a:solidFill>
-              </a:rPr>
-              <a:t> </a:t>
-            </a:r>
-            <a:r>
-              <a:rPr lang="nl-NL" sz="2000" b="1" dirty="0" err="1">
-                <a:solidFill>
-                  <a:schemeClr val="bg1"/>
-                </a:solidFill>
-              </a:rPr>
-              <a:t>suboptimal</a:t>
-            </a:r>
-            <a:r>
-              <a:rPr lang="nl-NL" sz="2000" b="1" dirty="0">
-                <a:solidFill>
-                  <a:schemeClr val="bg1"/>
-                </a:solidFill>
-              </a:rPr>
-              <a:t> </a:t>
-            </a:r>
-            <a:r>
-              <a:rPr lang="nl-NL" sz="2000" b="1" dirty="0" err="1">
-                <a:solidFill>
-                  <a:schemeClr val="bg1"/>
-                </a:solidFill>
-              </a:rPr>
-              <a:t>for</a:t>
-            </a:r>
-            <a:r>
-              <a:rPr lang="nl-NL" sz="2000" b="1" dirty="0">
-                <a:solidFill>
-                  <a:schemeClr val="bg1"/>
-                </a:solidFill>
-              </a:rPr>
-              <a:t> </a:t>
-            </a:r>
-            <a:r>
-              <a:rPr lang="nl-NL" sz="2000" b="1" dirty="0" err="1">
-                <a:solidFill>
-                  <a:schemeClr val="bg1"/>
-                </a:solidFill>
-              </a:rPr>
-              <a:t>production-grade</a:t>
-            </a:r>
-            <a:r>
-              <a:rPr lang="nl-NL" sz="2000" b="1" dirty="0">
-                <a:solidFill>
-                  <a:schemeClr val="bg1"/>
-                </a:solidFill>
-              </a:rPr>
-              <a:t> dashboards. </a:t>
+              <a:rPr lang="nl-NL" sz="2400" dirty="0">
+                <a:solidFill>
+                  <a:schemeClr val="bg1"/>
+                </a:solidFill>
+              </a:rPr>
+              <a:t>. </a:t>
             </a:r>
           </a:p>
           <a:p>
@@ -46025,7 +46020,7 @@
               <a:buFont typeface="Arial" panose="020B0604020202020204" pitchFamily="34" charset="0"/>
               <a:buChar char="•"/>
             </a:pPr>
-            <a:endParaRPr lang="nl-NL" sz="2000" b="1" dirty="0">
+            <a:endParaRPr lang="nl-NL" sz="2400" dirty="0">
               <a:solidFill>
                 <a:schemeClr val="bg1"/>
               </a:solidFill>
@@ -46037,47 +46032,87 @@
               <a:buChar char="•"/>
             </a:pPr>
             <a:r>
-              <a:rPr lang="nl-NL" sz="2000" b="1" dirty="0" err="1">
-                <a:solidFill>
-                  <a:schemeClr val="bg1"/>
-                </a:solidFill>
-              </a:rPr>
-              <a:t>Getting</a:t>
-            </a:r>
-            <a:r>
-              <a:rPr lang="nl-NL" sz="2000" b="1" dirty="0">
-                <a:solidFill>
-                  <a:schemeClr val="bg1"/>
-                </a:solidFill>
-              </a:rPr>
-              <a:t> a data </a:t>
-            </a:r>
-            <a:r>
-              <a:rPr lang="nl-NL" sz="2000" b="1" dirty="0" err="1">
-                <a:solidFill>
-                  <a:schemeClr val="bg1"/>
-                </a:solidFill>
-              </a:rPr>
-              <a:t>science</a:t>
-            </a:r>
-            <a:r>
-              <a:rPr lang="nl-NL" sz="2000" b="1" dirty="0">
-                <a:solidFill>
-                  <a:schemeClr val="bg1"/>
-                </a:solidFill>
-              </a:rPr>
-              <a:t> team </a:t>
-            </a:r>
-            <a:r>
-              <a:rPr lang="nl-NL" sz="2000" b="1" dirty="0" err="1">
-                <a:solidFill>
-                  <a:schemeClr val="bg1"/>
-                </a:solidFill>
-              </a:rPr>
-              <a:t>to</a:t>
-            </a:r>
-            <a:r>
-              <a:rPr lang="nl-NL" sz="2000" b="1" dirty="0">
+              <a:rPr lang="nl-NL" sz="2400" dirty="0">
+                <a:solidFill>
+                  <a:schemeClr val="bg1"/>
+                </a:solidFill>
+              </a:rPr>
+              <a:t>The standard solution </a:t>
+            </a:r>
+            <a:r>
+              <a:rPr lang="nl-NL" sz="2400" dirty="0" err="1">
+                <a:solidFill>
+                  <a:schemeClr val="bg1"/>
+                </a:solidFill>
+              </a:rPr>
+              <a:t>for</a:t>
+            </a:r>
+            <a:r>
+              <a:rPr lang="nl-NL" sz="2400" dirty="0">
+                <a:solidFill>
+                  <a:schemeClr val="bg1"/>
+                </a:solidFill>
+              </a:rPr>
+              <a:t> a </a:t>
+            </a:r>
+            <a:r>
+              <a:rPr lang="nl-NL" sz="2400" dirty="0" err="1">
+                <a:solidFill>
+                  <a:schemeClr val="bg1"/>
+                </a:solidFill>
+              </a:rPr>
+              <a:t>problem</a:t>
+            </a:r>
+            <a:r>
+              <a:rPr lang="nl-NL" sz="2400" dirty="0">
+                <a:solidFill>
+                  <a:schemeClr val="bg1"/>
+                </a:solidFill>
+              </a:rPr>
+              <a:t> in </a:t>
+            </a:r>
+            <a:r>
+              <a:rPr lang="nl-NL" sz="2400" dirty="0" err="1">
+                <a:solidFill>
+                  <a:schemeClr val="bg1"/>
+                </a:solidFill>
+              </a:rPr>
+              <a:t>academia</a:t>
+            </a:r>
+            <a:r>
+              <a:rPr lang="nl-NL" sz="2400" dirty="0">
+                <a:solidFill>
+                  <a:schemeClr val="bg1"/>
+                </a:solidFill>
+              </a:rPr>
+              <a:t>, Stackoverflow or </a:t>
+            </a:r>
+            <a:r>
+              <a:rPr lang="nl-NL" sz="2400" dirty="0" err="1">
+                <a:solidFill>
+                  <a:schemeClr val="bg1"/>
+                </a:solidFill>
+              </a:rPr>
+              <a:t>an</a:t>
+            </a:r>
+            <a:r>
+              <a:rPr lang="nl-NL" sz="2400" dirty="0">
+                <a:solidFill>
+                  <a:schemeClr val="bg1"/>
+                </a:solidFill>
+              </a:rPr>
+              <a:t> R tutorial </a:t>
+            </a:r>
+            <a:r>
+              <a:rPr lang="nl-NL" sz="2400" dirty="0" err="1">
+                <a:solidFill>
+                  <a:schemeClr val="bg1"/>
+                </a:solidFill>
+              </a:rPr>
+              <a:t>may</a:t>
+            </a:r>
+            <a:r>
+              <a:rPr lang="nl-NL" sz="2400" dirty="0">
                 <a:solidFill>
                   <a:schemeClr val="bg1"/>
                 </a:solidFill>
@@ -46085,15 +46120,15 @@
               <a:t> </a:t>
             </a:r>
             <a:r>
-              <a:rPr lang="nl-NL" sz="2000" b="1" dirty="0" err="1">
-                <a:solidFill>
-                  <a:schemeClr val="bg1"/>
-                </a:solidFill>
-              </a:rPr>
-              <a:t>work</a:t>
-            </a:r>
-            <a:r>
-              <a:rPr lang="nl-NL" sz="2000" b="1" dirty="0">
+              <a:rPr lang="nl-NL" sz="2400" dirty="0" err="1">
+                <a:solidFill>
+                  <a:schemeClr val="bg1"/>
+                </a:solidFill>
+              </a:rPr>
+              <a:t>be</a:t>
+            </a:r>
+            <a:r>
+              <a:rPr lang="nl-NL" sz="2400" dirty="0">
                 <a:solidFill>
                   <a:schemeClr val="bg1"/>
                 </a:solidFill>
@@ -46101,15 +46136,15 @@
               <a:t> </a:t>
             </a:r>
             <a:r>
-              <a:rPr lang="nl-NL" sz="2000" b="1" dirty="0" err="1">
-                <a:solidFill>
-                  <a:schemeClr val="bg1"/>
-                </a:solidFill>
-              </a:rPr>
-              <a:t>productively</a:t>
-            </a:r>
-            <a:r>
-              <a:rPr lang="nl-NL" sz="2000" b="1" dirty="0">
+              <a:rPr lang="nl-NL" sz="2400" dirty="0" err="1">
+                <a:solidFill>
+                  <a:schemeClr val="bg1"/>
+                </a:solidFill>
+              </a:rPr>
+              <a:t>suboptimal</a:t>
+            </a:r>
+            <a:r>
+              <a:rPr lang="nl-NL" sz="2400" dirty="0">
                 <a:solidFill>
                   <a:schemeClr val="bg1"/>
                 </a:solidFill>
@@ -46117,31 +46152,15 @@
               <a:t> </a:t>
             </a:r>
             <a:r>
-              <a:rPr lang="nl-NL" sz="2000" b="1" dirty="0" err="1">
-                <a:solidFill>
-                  <a:schemeClr val="bg1"/>
-                </a:solidFill>
-              </a:rPr>
-              <a:t>with</a:t>
-            </a:r>
-            <a:r>
-              <a:rPr lang="nl-NL" sz="2000" b="1" dirty="0">
-                <a:solidFill>
-                  <a:schemeClr val="bg1"/>
-                </a:solidFill>
-              </a:rPr>
-              <a:t> R </a:t>
-            </a:r>
-            <a:r>
-              <a:rPr lang="nl-NL" sz="2000" b="1" dirty="0" err="1">
-                <a:solidFill>
-                  <a:schemeClr val="bg1"/>
-                </a:solidFill>
-              </a:rPr>
-              <a:t>to</a:t>
-            </a:r>
-            <a:r>
-              <a:rPr lang="nl-NL" sz="2000" b="1" dirty="0">
+              <a:rPr lang="nl-NL" sz="2400" dirty="0" err="1">
+                <a:solidFill>
+                  <a:schemeClr val="bg1"/>
+                </a:solidFill>
+              </a:rPr>
+              <a:t>for</a:t>
+            </a:r>
+            <a:r>
+              <a:rPr lang="nl-NL" sz="2400" dirty="0">
                 <a:solidFill>
                   <a:schemeClr val="bg1"/>
                 </a:solidFill>
@@ -46149,100 +46168,20 @@
               <a:t> </a:t>
             </a:r>
             <a:r>
-              <a:rPr lang="nl-NL" sz="2000" b="1" dirty="0" err="1">
-                <a:solidFill>
-                  <a:schemeClr val="bg1"/>
-                </a:solidFill>
-              </a:rPr>
-              <a:t>create</a:t>
-            </a:r>
-            <a:r>
-              <a:rPr lang="nl-NL" sz="2000" b="1" dirty="0">
+              <a:rPr lang="nl-NL" sz="2400" dirty="0" err="1">
+                <a:solidFill>
+                  <a:schemeClr val="bg1"/>
+                </a:solidFill>
+              </a:rPr>
+              <a:t>production</a:t>
+            </a:r>
+            <a:r>
+              <a:rPr lang="nl-NL" sz="2400" dirty="0">
                 <a:solidFill>
                   <a:schemeClr val="bg1"/>
                 </a:solidFill>
               </a:rPr>
               <a:t> </a:t>
-            </a:r>
-            <a:r>
-              <a:rPr lang="nl-NL" sz="2000" b="1" dirty="0" err="1">
-                <a:solidFill>
-                  <a:schemeClr val="bg1"/>
-                </a:solidFill>
-              </a:rPr>
-              <a:t>enterprise</a:t>
-            </a:r>
-            <a:r>
-              <a:rPr lang="nl-NL" sz="2000" b="1" dirty="0">
-                <a:solidFill>
-                  <a:schemeClr val="bg1"/>
-                </a:solidFill>
-              </a:rPr>
-              <a:t>-level dashboards </a:t>
-            </a:r>
-            <a:r>
-              <a:rPr lang="nl-NL" sz="2000" b="1" dirty="0" err="1">
-                <a:solidFill>
-                  <a:schemeClr val="bg1"/>
-                </a:solidFill>
-              </a:rPr>
-              <a:t>involves</a:t>
-            </a:r>
-            <a:r>
-              <a:rPr lang="nl-NL" sz="2000" b="1" dirty="0">
-                <a:solidFill>
-                  <a:schemeClr val="bg1"/>
-                </a:solidFill>
-              </a:rPr>
-              <a:t> </a:t>
-            </a:r>
-            <a:r>
-              <a:rPr lang="nl-NL" sz="2000" b="1" dirty="0" err="1">
-                <a:solidFill>
-                  <a:schemeClr val="bg1"/>
-                </a:solidFill>
-              </a:rPr>
-              <a:t>solving</a:t>
-            </a:r>
-            <a:r>
-              <a:rPr lang="nl-NL" sz="2000" b="1" dirty="0">
-                <a:solidFill>
-                  <a:schemeClr val="bg1"/>
-                </a:solidFill>
-              </a:rPr>
-              <a:t> a </a:t>
-            </a:r>
-            <a:r>
-              <a:rPr lang="nl-NL" sz="2000" b="1" dirty="0" err="1">
-                <a:solidFill>
-                  <a:schemeClr val="bg1"/>
-                </a:solidFill>
-              </a:rPr>
-              <a:t>whole</a:t>
-            </a:r>
-            <a:r>
-              <a:rPr lang="nl-NL" sz="2000" b="1" dirty="0">
-                <a:solidFill>
-                  <a:schemeClr val="bg1"/>
-                </a:solidFill>
-              </a:rPr>
-              <a:t> new class of </a:t>
-            </a:r>
-            <a:r>
-              <a:rPr lang="nl-NL" sz="2000" b="1" dirty="0" err="1">
-                <a:solidFill>
-                  <a:schemeClr val="bg1"/>
-                </a:solidFill>
-              </a:rPr>
-              <a:t>problems</a:t>
-            </a:r>
-            <a:r>
-              <a:rPr lang="nl-NL" sz="2000" b="1" dirty="0">
-                <a:solidFill>
-                  <a:schemeClr val="bg1"/>
-                </a:solidFill>
-              </a:rPr>
-              <a:t>.</a:t>
             </a:r>
           </a:p>
           <a:p>
@@ -46250,7 +46189,7 @@
               <a:buFont typeface="Arial" panose="020B0604020202020204" pitchFamily="34" charset="0"/>
               <a:buChar char="•"/>
             </a:pPr>
-            <a:endParaRPr lang="nl-NL" sz="2000" b="1" dirty="0">
+            <a:endParaRPr lang="nl-NL" sz="2800" dirty="0">
               <a:solidFill>
                 <a:schemeClr val="bg1"/>
               </a:solidFill>
@@ -46262,31 +46201,47 @@
               <a:buChar char="•"/>
             </a:pPr>
             <a:r>
-              <a:rPr lang="nl-NL" sz="2000" b="1" dirty="0" err="1">
-                <a:solidFill>
-                  <a:schemeClr val="bg1"/>
-                </a:solidFill>
-              </a:rPr>
-              <a:t>Warning</a:t>
-            </a:r>
-            <a:r>
-              <a:rPr lang="nl-NL" sz="2000" b="1" dirty="0">
-                <a:solidFill>
-                  <a:schemeClr val="bg1"/>
-                </a:solidFill>
-              </a:rPr>
-              <a:t>: GPT </a:t>
-            </a:r>
-            <a:r>
-              <a:rPr lang="nl-NL" sz="2000" b="1" dirty="0" err="1">
-                <a:solidFill>
-                  <a:schemeClr val="bg1"/>
-                </a:solidFill>
-              </a:rPr>
-              <a:t>can</a:t>
-            </a:r>
-            <a:r>
-              <a:rPr lang="nl-NL" sz="2000" b="1" dirty="0">
+              <a:rPr lang="nl-NL" sz="2400" dirty="0" err="1">
+                <a:solidFill>
+                  <a:schemeClr val="bg1"/>
+                </a:solidFill>
+              </a:rPr>
+              <a:t>Getting</a:t>
+            </a:r>
+            <a:r>
+              <a:rPr lang="nl-NL" sz="2400" dirty="0">
+                <a:solidFill>
+                  <a:schemeClr val="bg1"/>
+                </a:solidFill>
+              </a:rPr>
+              <a:t> a data </a:t>
+            </a:r>
+            <a:r>
+              <a:rPr lang="nl-NL" sz="2400" dirty="0" err="1">
+                <a:solidFill>
+                  <a:schemeClr val="bg1"/>
+                </a:solidFill>
+              </a:rPr>
+              <a:t>science</a:t>
+            </a:r>
+            <a:r>
+              <a:rPr lang="nl-NL" sz="2400" dirty="0">
+                <a:solidFill>
+                  <a:schemeClr val="bg1"/>
+                </a:solidFill>
+              </a:rPr>
+              <a:t> team </a:t>
+            </a:r>
+            <a:r>
+              <a:rPr lang="nl-NL" sz="2400" dirty="0" err="1">
+                <a:solidFill>
+                  <a:schemeClr val="bg1"/>
+                </a:solidFill>
+              </a:rPr>
+              <a:t>to</a:t>
+            </a:r>
+            <a:r>
+              <a:rPr lang="nl-NL" sz="2400" dirty="0">
                 <a:solidFill>
                   <a:schemeClr val="bg1"/>
                 </a:solidFill>
@@ -46294,15 +46249,47 @@
               <a:t> </a:t>
             </a:r>
             <a:r>
-              <a:rPr lang="nl-NL" sz="2000" b="1" dirty="0" err="1">
-                <a:solidFill>
-                  <a:schemeClr val="bg1"/>
-                </a:solidFill>
-              </a:rPr>
-              <a:t>generate</a:t>
-            </a:r>
-            <a:r>
-              <a:rPr lang="nl-NL" sz="2000" b="1" dirty="0">
+              <a:rPr lang="nl-NL" sz="2400" dirty="0" err="1">
+                <a:solidFill>
+                  <a:schemeClr val="bg1"/>
+                </a:solidFill>
+              </a:rPr>
+              <a:t>work</a:t>
+            </a:r>
+            <a:r>
+              <a:rPr lang="nl-NL" sz="2400" dirty="0">
+                <a:solidFill>
+                  <a:schemeClr val="bg1"/>
+                </a:solidFill>
+              </a:rPr>
+              <a:t> </a:t>
+            </a:r>
+            <a:r>
+              <a:rPr lang="nl-NL" sz="2400" dirty="0" err="1">
+                <a:solidFill>
+                  <a:schemeClr val="bg1"/>
+                </a:solidFill>
+              </a:rPr>
+              <a:t>productively</a:t>
+            </a:r>
+            <a:r>
+              <a:rPr lang="nl-NL" sz="2400" dirty="0">
+                <a:solidFill>
+                  <a:schemeClr val="bg1"/>
+                </a:solidFill>
+              </a:rPr>
+              <a:t> </a:t>
+            </a:r>
+            <a:r>
+              <a:rPr lang="nl-NL" sz="2400" dirty="0" err="1">
+                <a:solidFill>
+                  <a:schemeClr val="bg1"/>
+                </a:solidFill>
+              </a:rPr>
+              <a:t>with</a:t>
+            </a:r>
+            <a:r>
+              <a:rPr lang="nl-NL" sz="2400" dirty="0">
                 <a:solidFill>
                   <a:schemeClr val="bg1"/>
                 </a:solidFill>
@@ -46310,15 +46297,15 @@
               <a:t> R </a:t>
             </a:r>
             <a:r>
-              <a:rPr lang="nl-NL" sz="2000" b="1" dirty="0" err="1">
-                <a:solidFill>
-                  <a:schemeClr val="bg1"/>
-                </a:solidFill>
-              </a:rPr>
-              <a:t>and</a:t>
-            </a:r>
-            <a:r>
-              <a:rPr lang="nl-NL" sz="2000" b="1" dirty="0">
+              <a:rPr lang="nl-NL" sz="2400" dirty="0" err="1">
+                <a:solidFill>
+                  <a:schemeClr val="bg1"/>
+                </a:solidFill>
+              </a:rPr>
+              <a:t>requires</a:t>
+            </a:r>
+            <a:r>
+              <a:rPr lang="nl-NL" sz="2400" dirty="0">
                 <a:solidFill>
                   <a:schemeClr val="bg1"/>
                 </a:solidFill>
@@ -46326,180 +46313,84 @@
               <a:t> </a:t>
             </a:r>
             <a:r>
-              <a:rPr lang="nl-NL" sz="2000" b="1" dirty="0" err="1">
-                <a:solidFill>
-                  <a:schemeClr val="bg1"/>
-                </a:solidFill>
-              </a:rPr>
-              <a:t>Shiny</a:t>
-            </a:r>
-            <a:r>
-              <a:rPr lang="nl-NL" sz="2000" b="1" dirty="0">
-                <a:solidFill>
-                  <a:schemeClr val="bg1"/>
-                </a:solidFill>
-              </a:rPr>
-              <a:t> code </a:t>
-            </a:r>
-            <a:r>
-              <a:rPr lang="nl-NL" sz="2000" b="1" dirty="0" err="1">
-                <a:solidFill>
-                  <a:schemeClr val="bg1"/>
-                </a:solidFill>
-              </a:rPr>
-              <a:t>that</a:t>
-            </a:r>
-            <a:r>
-              <a:rPr lang="nl-NL" sz="2000" b="1" dirty="0">
-                <a:solidFill>
-                  <a:schemeClr val="bg1"/>
-                </a:solidFill>
-              </a:rPr>
-              <a:t> runs without </a:t>
-            </a:r>
-            <a:r>
-              <a:rPr lang="nl-NL" sz="2000" b="1" dirty="0" err="1">
-                <a:solidFill>
-                  <a:schemeClr val="bg1"/>
-                </a:solidFill>
-              </a:rPr>
-              <a:t>errors</a:t>
-            </a:r>
-            <a:r>
-              <a:rPr lang="nl-NL" sz="2000" b="1" dirty="0">
-                <a:solidFill>
-                  <a:schemeClr val="bg1"/>
-                </a:solidFill>
-              </a:rPr>
-              <a:t>, but </a:t>
-            </a:r>
-            <a:r>
-              <a:rPr lang="nl-NL" sz="2000" b="1" dirty="0" err="1">
-                <a:solidFill>
-                  <a:schemeClr val="bg1"/>
-                </a:solidFill>
-              </a:rPr>
-              <a:t>this</a:t>
-            </a:r>
-            <a:r>
-              <a:rPr lang="nl-NL" sz="2000" b="1" dirty="0">
-                <a:solidFill>
-                  <a:schemeClr val="bg1"/>
-                </a:solidFill>
-              </a:rPr>
-              <a:t> code </a:t>
-            </a:r>
-            <a:r>
-              <a:rPr lang="nl-NL" sz="2000" b="1" dirty="0" err="1">
-                <a:solidFill>
-                  <a:schemeClr val="bg1"/>
-                </a:solidFill>
-              </a:rPr>
-              <a:t>may</a:t>
-            </a:r>
-            <a:r>
-              <a:rPr lang="nl-NL" sz="2000" b="1" dirty="0">
-                <a:solidFill>
-                  <a:schemeClr val="bg1"/>
-                </a:solidFill>
-              </a:rPr>
-              <a:t> </a:t>
-            </a:r>
-            <a:r>
-              <a:rPr lang="nl-NL" sz="2000" b="1" dirty="0" err="1">
-                <a:solidFill>
-                  <a:schemeClr val="bg1"/>
-                </a:solidFill>
-              </a:rPr>
-              <a:t>not</a:t>
-            </a:r>
-            <a:r>
-              <a:rPr lang="nl-NL" sz="2000" b="1" dirty="0">
-                <a:solidFill>
-                  <a:schemeClr val="bg1"/>
-                </a:solidFill>
-              </a:rPr>
-              <a:t> </a:t>
-            </a:r>
-            <a:r>
-              <a:rPr lang="nl-NL" sz="2000" b="1" dirty="0" err="1">
-                <a:solidFill>
-                  <a:schemeClr val="bg1"/>
-                </a:solidFill>
-              </a:rPr>
-              <a:t>be</a:t>
-            </a:r>
-            <a:r>
-              <a:rPr lang="nl-NL" sz="2000" b="1" dirty="0">
-                <a:solidFill>
-                  <a:schemeClr val="bg1"/>
-                </a:solidFill>
-              </a:rPr>
-              <a:t> </a:t>
-            </a:r>
-            <a:r>
-              <a:rPr lang="nl-NL" sz="2000" b="1" dirty="0" err="1">
-                <a:solidFill>
-                  <a:schemeClr val="bg1"/>
-                </a:solidFill>
-              </a:rPr>
-              <a:t>optimal</a:t>
-            </a:r>
-            <a:r>
-              <a:rPr lang="nl-NL" sz="2000" b="1" dirty="0">
-                <a:solidFill>
-                  <a:schemeClr val="bg1"/>
-                </a:solidFill>
-              </a:rPr>
-              <a:t> </a:t>
-            </a:r>
-            <a:r>
-              <a:rPr lang="nl-NL" sz="2000" b="1" dirty="0" err="1">
-                <a:solidFill>
-                  <a:schemeClr val="bg1"/>
-                </a:solidFill>
-              </a:rPr>
-              <a:t>and</a:t>
-            </a:r>
-            <a:r>
-              <a:rPr lang="nl-NL" sz="2000" b="1" dirty="0">
-                <a:solidFill>
-                  <a:schemeClr val="bg1"/>
-                </a:solidFill>
-              </a:rPr>
-              <a:t> is </a:t>
-            </a:r>
-            <a:r>
-              <a:rPr lang="nl-NL" sz="2000" b="1" dirty="0" err="1">
-                <a:solidFill>
-                  <a:schemeClr val="bg1"/>
-                </a:solidFill>
-              </a:rPr>
-              <a:t>sometimes</a:t>
-            </a:r>
-            <a:r>
-              <a:rPr lang="nl-NL" sz="2000" b="1" dirty="0">
-                <a:solidFill>
-                  <a:schemeClr val="bg1"/>
-                </a:solidFill>
-              </a:rPr>
-              <a:t> </a:t>
-            </a:r>
-            <a:r>
-              <a:rPr lang="nl-NL" sz="2000" b="1" dirty="0" err="1">
-                <a:solidFill>
-                  <a:schemeClr val="bg1"/>
-                </a:solidFill>
-              </a:rPr>
-              <a:t>not</a:t>
-            </a:r>
-            <a:r>
-              <a:rPr lang="nl-NL" sz="2000" b="1" dirty="0">
-                <a:solidFill>
-                  <a:schemeClr val="bg1"/>
-                </a:solidFill>
-              </a:rPr>
-              <a:t> even correct.</a:t>
+              <a:rPr lang="nl-NL" sz="2400" dirty="0" err="1">
+                <a:solidFill>
+                  <a:schemeClr val="bg1"/>
+                </a:solidFill>
+              </a:rPr>
+              <a:t>solving</a:t>
+            </a:r>
+            <a:r>
+              <a:rPr lang="nl-NL" sz="2400" dirty="0">
+                <a:solidFill>
+                  <a:schemeClr val="bg1"/>
+                </a:solidFill>
+              </a:rPr>
+              <a:t> a </a:t>
+            </a:r>
+            <a:r>
+              <a:rPr lang="nl-NL" sz="2400" dirty="0" err="1">
+                <a:solidFill>
+                  <a:schemeClr val="bg1"/>
+                </a:solidFill>
+              </a:rPr>
+              <a:t>whole</a:t>
+            </a:r>
+            <a:r>
+              <a:rPr lang="nl-NL" sz="2400" dirty="0">
+                <a:solidFill>
+                  <a:schemeClr val="bg1"/>
+                </a:solidFill>
+              </a:rPr>
+              <a:t> new class of </a:t>
+            </a:r>
+            <a:r>
+              <a:rPr lang="nl-NL" sz="2400" dirty="0" err="1">
+                <a:solidFill>
+                  <a:schemeClr val="bg1"/>
+                </a:solidFill>
+              </a:rPr>
+              <a:t>problems</a:t>
+            </a:r>
+            <a:r>
+              <a:rPr lang="nl-NL" sz="2400" dirty="0">
+                <a:solidFill>
+                  <a:schemeClr val="bg1"/>
+                </a:solidFill>
+              </a:rPr>
+              <a:t> (e.g. </a:t>
+            </a:r>
+            <a:r>
+              <a:rPr lang="nl-NL" sz="2400" dirty="0" err="1">
+                <a:solidFill>
+                  <a:schemeClr val="bg1"/>
+                </a:solidFill>
+              </a:rPr>
+              <a:t>versioning</a:t>
+            </a:r>
+            <a:r>
+              <a:rPr lang="nl-NL" sz="2400" dirty="0">
+                <a:solidFill>
+                  <a:schemeClr val="bg1"/>
+                </a:solidFill>
+              </a:rPr>
+              <a:t>, </a:t>
+            </a:r>
+            <a:r>
+              <a:rPr lang="nl-NL" sz="2400" dirty="0" err="1">
+                <a:solidFill>
+                  <a:schemeClr val="bg1"/>
+                </a:solidFill>
+              </a:rPr>
+              <a:t>testing</a:t>
+            </a:r>
+            <a:r>
+              <a:rPr lang="nl-NL" sz="2400" dirty="0">
+                <a:solidFill>
+                  <a:schemeClr val="bg1"/>
+                </a:solidFill>
+              </a:rPr>
+              <a:t>, deployment)</a:t>
             </a:r>
           </a:p>
           <a:p>
@@ -46507,7 +46398,264 @@
               <a:buFont typeface="Arial" panose="020B0604020202020204" pitchFamily="34" charset="0"/>
               <a:buChar char="•"/>
             </a:pPr>
-            <a:endParaRPr lang="nl-NL" b="1" dirty="0">
+            <a:endParaRPr lang="nl-NL" sz="2400" dirty="0">
+              <a:solidFill>
+                <a:schemeClr val="bg1"/>
+              </a:solidFill>
+            </a:endParaRPr>
+          </a:p>
+          <a:p>
+            <a:pPr marL="285750" indent="-285750">
+              <a:buFont typeface="Arial" panose="020B0604020202020204" pitchFamily="34" charset="0"/>
+              <a:buChar char="•"/>
+            </a:pPr>
+            <a:r>
+              <a:rPr lang="nl-NL" sz="2400" dirty="0" err="1">
+                <a:solidFill>
+                  <a:schemeClr val="bg1"/>
+                </a:solidFill>
+              </a:rPr>
+              <a:t>Warning</a:t>
+            </a:r>
+            <a:r>
+              <a:rPr lang="nl-NL" sz="2400" dirty="0">
+                <a:solidFill>
+                  <a:schemeClr val="bg1"/>
+                </a:solidFill>
+              </a:rPr>
+              <a:t>: GPT </a:t>
+            </a:r>
+            <a:r>
+              <a:rPr lang="nl-NL" sz="2400" dirty="0" err="1">
+                <a:solidFill>
+                  <a:schemeClr val="bg1"/>
+                </a:solidFill>
+              </a:rPr>
+              <a:t>can</a:t>
+            </a:r>
+            <a:r>
+              <a:rPr lang="nl-NL" sz="2400" dirty="0">
+                <a:solidFill>
+                  <a:schemeClr val="bg1"/>
+                </a:solidFill>
+              </a:rPr>
+              <a:t> </a:t>
+            </a:r>
+            <a:r>
+              <a:rPr lang="nl-NL" sz="2400" dirty="0" err="1">
+                <a:solidFill>
+                  <a:schemeClr val="bg1"/>
+                </a:solidFill>
+              </a:rPr>
+              <a:t>generate</a:t>
+            </a:r>
+            <a:r>
+              <a:rPr lang="nl-NL" sz="2400" dirty="0">
+                <a:solidFill>
+                  <a:schemeClr val="bg1"/>
+                </a:solidFill>
+              </a:rPr>
+              <a:t> R </a:t>
+            </a:r>
+            <a:r>
+              <a:rPr lang="nl-NL" sz="2400" dirty="0" err="1">
+                <a:solidFill>
+                  <a:schemeClr val="bg1"/>
+                </a:solidFill>
+              </a:rPr>
+              <a:t>and</a:t>
+            </a:r>
+            <a:r>
+              <a:rPr lang="nl-NL" sz="2400" dirty="0">
+                <a:solidFill>
+                  <a:schemeClr val="bg1"/>
+                </a:solidFill>
+              </a:rPr>
+              <a:t> </a:t>
+            </a:r>
+            <a:r>
+              <a:rPr lang="nl-NL" sz="2400" dirty="0" err="1">
+                <a:solidFill>
+                  <a:schemeClr val="bg1"/>
+                </a:solidFill>
+              </a:rPr>
+              <a:t>Shiny</a:t>
+            </a:r>
+            <a:r>
+              <a:rPr lang="nl-NL" sz="2400" dirty="0">
+                <a:solidFill>
+                  <a:schemeClr val="bg1"/>
+                </a:solidFill>
+              </a:rPr>
+              <a:t> code </a:t>
+            </a:r>
+            <a:r>
+              <a:rPr lang="nl-NL" sz="2400" dirty="0" err="1">
+                <a:solidFill>
+                  <a:schemeClr val="bg1"/>
+                </a:solidFill>
+              </a:rPr>
+              <a:t>that</a:t>
+            </a:r>
+            <a:r>
+              <a:rPr lang="nl-NL" sz="2400" dirty="0">
+                <a:solidFill>
+                  <a:schemeClr val="bg1"/>
+                </a:solidFill>
+              </a:rPr>
+              <a:t> runs without </a:t>
+            </a:r>
+            <a:r>
+              <a:rPr lang="nl-NL" sz="2400" dirty="0" err="1">
+                <a:solidFill>
+                  <a:schemeClr val="bg1"/>
+                </a:solidFill>
+              </a:rPr>
+              <a:t>errors</a:t>
+            </a:r>
+            <a:r>
+              <a:rPr lang="nl-NL" sz="2400" dirty="0">
+                <a:solidFill>
+                  <a:schemeClr val="bg1"/>
+                </a:solidFill>
+              </a:rPr>
+              <a:t>, but </a:t>
+            </a:r>
+            <a:r>
+              <a:rPr lang="nl-NL" sz="2400" dirty="0" err="1">
+                <a:solidFill>
+                  <a:schemeClr val="bg1"/>
+                </a:solidFill>
+              </a:rPr>
+              <a:t>this</a:t>
+            </a:r>
+            <a:r>
+              <a:rPr lang="nl-NL" sz="2400" dirty="0">
+                <a:solidFill>
+                  <a:schemeClr val="bg1"/>
+                </a:solidFill>
+              </a:rPr>
+              <a:t> code </a:t>
+            </a:r>
+            <a:r>
+              <a:rPr lang="nl-NL" sz="2400" dirty="0" err="1">
+                <a:solidFill>
+                  <a:schemeClr val="bg1"/>
+                </a:solidFill>
+              </a:rPr>
+              <a:t>may</a:t>
+            </a:r>
+            <a:r>
+              <a:rPr lang="nl-NL" sz="2400" dirty="0">
+                <a:solidFill>
+                  <a:schemeClr val="bg1"/>
+                </a:solidFill>
+              </a:rPr>
+              <a:t> </a:t>
+            </a:r>
+            <a:r>
+              <a:rPr lang="nl-NL" sz="2400" dirty="0" err="1">
+                <a:solidFill>
+                  <a:schemeClr val="bg1"/>
+                </a:solidFill>
+              </a:rPr>
+              <a:t>not</a:t>
+            </a:r>
+            <a:r>
+              <a:rPr lang="nl-NL" sz="2400" dirty="0">
+                <a:solidFill>
+                  <a:schemeClr val="bg1"/>
+                </a:solidFill>
+              </a:rPr>
+              <a:t> </a:t>
+            </a:r>
+            <a:r>
+              <a:rPr lang="nl-NL" sz="2400" dirty="0" err="1">
+                <a:solidFill>
+                  <a:schemeClr val="bg1"/>
+                </a:solidFill>
+              </a:rPr>
+              <a:t>be</a:t>
+            </a:r>
+            <a:r>
+              <a:rPr lang="nl-NL" sz="2400" dirty="0">
+                <a:solidFill>
+                  <a:schemeClr val="bg1"/>
+                </a:solidFill>
+              </a:rPr>
+              <a:t> </a:t>
+            </a:r>
+            <a:r>
+              <a:rPr lang="nl-NL" sz="2400" dirty="0" err="1">
+                <a:solidFill>
+                  <a:schemeClr val="bg1"/>
+                </a:solidFill>
+              </a:rPr>
+              <a:t>optimal</a:t>
+            </a:r>
+            <a:r>
+              <a:rPr lang="nl-NL" sz="2400" dirty="0">
+                <a:solidFill>
+                  <a:schemeClr val="bg1"/>
+                </a:solidFill>
+              </a:rPr>
+              <a:t> </a:t>
+            </a:r>
+            <a:r>
+              <a:rPr lang="nl-NL" sz="2400" dirty="0" err="1">
+                <a:solidFill>
+                  <a:schemeClr val="bg1"/>
+                </a:solidFill>
+              </a:rPr>
+              <a:t>and</a:t>
+            </a:r>
+            <a:r>
+              <a:rPr lang="nl-NL" sz="2400" dirty="0">
+                <a:solidFill>
+                  <a:schemeClr val="bg1"/>
+                </a:solidFill>
+              </a:rPr>
+              <a:t> is </a:t>
+            </a:r>
+            <a:r>
+              <a:rPr lang="nl-NL" sz="2400" dirty="0" err="1">
+                <a:solidFill>
+                  <a:schemeClr val="bg1"/>
+                </a:solidFill>
+              </a:rPr>
+              <a:t>sometimes</a:t>
+            </a:r>
+            <a:r>
+              <a:rPr lang="nl-NL" sz="2400" dirty="0">
+                <a:solidFill>
+                  <a:schemeClr val="bg1"/>
+                </a:solidFill>
+              </a:rPr>
+              <a:t> </a:t>
+            </a:r>
+            <a:r>
+              <a:rPr lang="nl-NL" sz="2400" dirty="0" err="1">
+                <a:solidFill>
+                  <a:schemeClr val="bg1"/>
+                </a:solidFill>
+              </a:rPr>
+              <a:t>not</a:t>
+            </a:r>
+            <a:r>
+              <a:rPr lang="nl-NL" sz="2400" dirty="0">
+                <a:solidFill>
+                  <a:schemeClr val="bg1"/>
+                </a:solidFill>
+              </a:rPr>
+              <a:t> even correct.</a:t>
+            </a:r>
+          </a:p>
+          <a:p>
+            <a:pPr marL="285750" indent="-285750">
+              <a:buFont typeface="Arial" panose="020B0604020202020204" pitchFamily="34" charset="0"/>
+              <a:buChar char="•"/>
+            </a:pPr>
+            <a:endParaRPr lang="nl-NL" sz="2000" b="1" dirty="0">
               <a:solidFill>
                 <a:schemeClr val="bg1"/>
               </a:solidFill>
@@ -46844,14 +46992,14 @@
           <p:nvPr>
             <p:extLst>
               <p:ext uri="{D42A27DB-BD31-4B8C-83A1-F6EECF244321}">
-                <p14:modId xmlns:p14="http://schemas.microsoft.com/office/powerpoint/2010/main" val="3304326836"/>
+                <p14:modId xmlns:p14="http://schemas.microsoft.com/office/powerpoint/2010/main" val="895235438"/>
               </p:ext>
             </p:extLst>
           </p:nvPr>
         </p:nvGraphicFramePr>
         <p:xfrm>
           <a:off x="3285239" y="1291681"/>
-          <a:ext cx="8554302" cy="5237257"/>
+          <a:ext cx="8554302" cy="5113037"/>
         </p:xfrm>
         <a:graphic>
           <a:graphicData uri="http://schemas.openxmlformats.org/drawingml/2006/table">
@@ -46909,9 +47057,10 @@
                     <a:lstStyle/>
                     <a:p>
                       <a:r>
-                        <a:rPr lang="nl-NL"/>
-                        <a:t>Common solution</a:t>
+                        <a:rPr lang="nl-NL" dirty="0" err="1"/>
+                        <a:t>Academia</a:t>
                       </a:r>
+                      <a:endParaRPr lang="nl-NL" dirty="0"/>
                     </a:p>
                   </a:txBody>
                   <a:tcPr/>
@@ -46931,9 +47080,12 @@
                       </a:r>
                       <a:r>
                         <a:rPr lang="nl-NL" dirty="0" err="1"/>
-                        <a:t>choice</a:t>
+                        <a:t>production</a:t>
                       </a:r>
-                      <a:endParaRPr lang="nl-NL" dirty="0"/>
+                      <a:r>
+                        <a:rPr lang="nl-NL" dirty="0"/>
+                        <a:t> standard</a:t>
+                      </a:r>
                     </a:p>
                   </a:txBody>
                   <a:tcPr/>
@@ -46999,7 +47151,7 @@
                       </a:r>
                       <a:r>
                         <a:rPr lang="nl-NL" sz="1600" dirty="0"/>
-                        <a:t> in R package </a:t>
+                        <a:t> as R package </a:t>
                       </a:r>
                       <a:r>
                         <a:rPr lang="nl-NL" sz="1600" dirty="0" err="1"/>
@@ -47032,12 +47184,32 @@
                     <a:lstStyle/>
                     <a:p>
                       <a:r>
-                        <a:rPr lang="nl-NL" sz="1600"/>
-                        <a:t>Not standardizing workflow leads to chaos</a:t>
+                        <a:rPr lang="nl-NL" sz="1600" dirty="0" err="1"/>
+                        <a:t>Not</a:t>
+                      </a:r>
+                      <a:r>
+                        <a:rPr lang="nl-NL" sz="1600" dirty="0"/>
+                        <a:t> </a:t>
+                      </a:r>
+                      <a:r>
+                        <a:rPr lang="nl-NL" sz="1600" dirty="0" err="1"/>
+                        <a:t>standardizing</a:t>
+                      </a:r>
+                      <a:r>
+                        <a:rPr lang="nl-NL" sz="1600" dirty="0"/>
+                        <a:t> workflow leads </a:t>
+                      </a:r>
+                      <a:r>
+                        <a:rPr lang="nl-NL" sz="1600" dirty="0" err="1"/>
+                        <a:t>to</a:t>
+                      </a:r>
+                      <a:r>
+                        <a:rPr lang="nl-NL" sz="1600" dirty="0"/>
+                        <a:t> chaos</a:t>
                       </a:r>
                     </a:p>
                     <a:p>
-                      <a:endParaRPr lang="nl-NL" sz="1600"/>
+                      <a:endParaRPr lang="nl-NL" sz="1600" dirty="0"/>
                     </a:p>
                   </a:txBody>
                   <a:tcPr/>
@@ -47081,9 +47253,26 @@
                     <a:lstStyle/>
                     <a:p>
                       <a:r>
-                        <a:rPr lang="nl-NL" sz="1600"/>
-                        <a:t>Prefer SPSS data structure over all alternatives</a:t>
+                        <a:rPr lang="nl-NL" sz="1600" dirty="0" err="1"/>
+                        <a:t>Prefer</a:t>
                       </a:r>
+                      <a:r>
+                        <a:rPr lang="nl-NL" sz="1600" dirty="0"/>
+                        <a:t> SPSS/SAS/</a:t>
+                      </a:r>
+                      <a:r>
+                        <a:rPr lang="nl-NL" sz="1600" dirty="0" err="1"/>
+                        <a:t>Stata</a:t>
+                      </a:r>
+                      <a:r>
+                        <a:rPr lang="nl-NL" sz="1600" dirty="0"/>
+                        <a:t> data </a:t>
+                      </a:r>
+                      <a:r>
+                        <a:rPr lang="nl-NL" sz="1600" dirty="0" err="1"/>
+                        <a:t>structure</a:t>
+                      </a:r>
+                      <a:endParaRPr lang="nl-NL" sz="1600" dirty="0"/>
                     </a:p>
                   </a:txBody>
                   <a:tcPr/>
@@ -47094,8 +47283,80 @@
                     <a:lstStyle/>
                     <a:p>
                       <a:r>
-                        <a:rPr lang="nl-NL" sz="1600"/>
-                        <a:t>SPSS data format is widely used, can be read and written via R (haven) and encodes both values and labels of categorical variables (!)</a:t>
+                        <a:rPr lang="nl-NL" sz="1600" dirty="0"/>
+                        <a:t>SPSS/SAS/</a:t>
+                      </a:r>
+                      <a:r>
+                        <a:rPr lang="nl-NL" sz="1600" dirty="0" err="1"/>
+                        <a:t>Stata</a:t>
+                      </a:r>
+                      <a:r>
+                        <a:rPr lang="nl-NL" sz="1600" dirty="0"/>
+                        <a:t> </a:t>
+                      </a:r>
+                      <a:r>
+                        <a:rPr lang="nl-NL" sz="1600" dirty="0" err="1"/>
+                        <a:t>encode</a:t>
+                      </a:r>
+                      <a:r>
+                        <a:rPr lang="nl-NL" sz="1600" dirty="0"/>
+                        <a:t> </a:t>
+                      </a:r>
+                      <a:r>
+                        <a:rPr lang="nl-NL" sz="1600" dirty="0" err="1"/>
+                        <a:t>both</a:t>
+                      </a:r>
+                      <a:r>
+                        <a:rPr lang="nl-NL" sz="1600" dirty="0"/>
+                        <a:t> </a:t>
+                      </a:r>
+                      <a:r>
+                        <a:rPr lang="nl-NL" sz="1600" dirty="0" err="1"/>
+                        <a:t>values</a:t>
+                      </a:r>
+                      <a:r>
+                        <a:rPr lang="nl-NL" sz="1600" dirty="0"/>
+                        <a:t> </a:t>
+                      </a:r>
+                      <a:r>
+                        <a:rPr lang="nl-NL" sz="1600" dirty="0" err="1"/>
+                        <a:t>and</a:t>
+                      </a:r>
+                      <a:r>
+                        <a:rPr lang="nl-NL" sz="1600" dirty="0"/>
+                        <a:t> labels, </a:t>
+                      </a:r>
+                      <a:r>
+                        <a:rPr lang="nl-NL" sz="1600" dirty="0" err="1"/>
+                        <a:t>which</a:t>
+                      </a:r>
+                      <a:r>
+                        <a:rPr lang="nl-NL" sz="1600" dirty="0"/>
+                        <a:t> is </a:t>
+                      </a:r>
+                      <a:r>
+                        <a:rPr lang="nl-NL" sz="1600" dirty="0" err="1"/>
+                        <a:t>essential</a:t>
+                      </a:r>
+                      <a:r>
+                        <a:rPr lang="nl-NL" sz="1600" dirty="0"/>
+                        <a:t> </a:t>
+                      </a:r>
+                      <a:r>
+                        <a:rPr lang="nl-NL" sz="1600" dirty="0" err="1"/>
+                        <a:t>for</a:t>
+                      </a:r>
+                      <a:r>
+                        <a:rPr lang="nl-NL" sz="1600" dirty="0"/>
+                        <a:t> </a:t>
+                      </a:r>
+                      <a:r>
+                        <a:rPr lang="nl-NL" sz="1600" dirty="0" err="1"/>
+                        <a:t>catagorical</a:t>
+                      </a:r>
+                      <a:r>
+                        <a:rPr lang="nl-NL" sz="1600" dirty="0"/>
+                        <a:t> data analysis.  </a:t>
                       </a:r>
                     </a:p>
                   </a:txBody>
@@ -47228,14 +47489,96 @@
                     <a:lstStyle/>
                     <a:p>
                       <a:r>
-                        <a:rPr lang="nl-NL" sz="1600"/>
-                        <a:t>Superior speed</a:t>
+                        <a:rPr lang="nl-NL" sz="1600" dirty="0"/>
+                        <a:t>Base R </a:t>
                       </a:r>
-                    </a:p>
-                    <a:p>
                       <a:r>
-                        <a:rPr lang="nl-NL" sz="1600"/>
-                        <a:t>Similarity to SQL</a:t>
+                        <a:rPr lang="nl-NL" sz="1600" dirty="0" err="1"/>
+                        <a:t>and</a:t>
+                      </a:r>
+                      <a:r>
+                        <a:rPr lang="nl-NL" sz="1600" dirty="0"/>
+                        <a:t> </a:t>
+                      </a:r>
+                      <a:r>
+                        <a:rPr lang="nl-NL" sz="1600" dirty="0" err="1"/>
+                        <a:t>Tidy</a:t>
+                      </a:r>
+                      <a:r>
+                        <a:rPr lang="nl-NL" sz="1600" dirty="0"/>
+                        <a:t> </a:t>
+                      </a:r>
+                      <a:r>
+                        <a:rPr lang="nl-NL" sz="1600" dirty="0" err="1"/>
+                        <a:t>lack</a:t>
+                      </a:r>
+                      <a:r>
+                        <a:rPr lang="nl-NL" sz="1600" dirty="0"/>
+                        <a:t> speed </a:t>
+                      </a:r>
+                      <a:r>
+                        <a:rPr lang="nl-NL" sz="1600" dirty="0" err="1"/>
+                        <a:t>that</a:t>
+                      </a:r>
+                      <a:r>
+                        <a:rPr lang="nl-NL" sz="1600" dirty="0"/>
+                        <a:t> is </a:t>
+                      </a:r>
+                      <a:r>
+                        <a:rPr lang="nl-NL" sz="1600" dirty="0" err="1"/>
+                        <a:t>critical</a:t>
+                      </a:r>
+                      <a:r>
+                        <a:rPr lang="nl-NL" sz="1600" dirty="0"/>
+                        <a:t> </a:t>
+                      </a:r>
+                      <a:r>
+                        <a:rPr lang="nl-NL" sz="1600" dirty="0" err="1"/>
+                        <a:t>to</a:t>
+                      </a:r>
+                      <a:r>
+                        <a:rPr lang="nl-NL" sz="1600" dirty="0"/>
+                        <a:t> </a:t>
+                      </a:r>
+                      <a:r>
+                        <a:rPr lang="nl-NL" sz="1600" dirty="0" err="1"/>
+                        <a:t>production</a:t>
+                      </a:r>
+                      <a:r>
+                        <a:rPr lang="nl-NL" sz="1600" dirty="0"/>
+                        <a:t> level apps. </a:t>
+                      </a:r>
+                      <a:r>
+                        <a:rPr lang="nl-NL" sz="1600" dirty="0" err="1"/>
+                        <a:t>Data.table</a:t>
+                      </a:r>
+                      <a:r>
+                        <a:rPr lang="nl-NL" sz="1600" dirty="0"/>
+                        <a:t> offers superior speed </a:t>
+                      </a:r>
+                      <a:r>
+                        <a:rPr lang="nl-NL" sz="1600" dirty="0" err="1"/>
+                        <a:t>and</a:t>
+                      </a:r>
+                      <a:r>
+                        <a:rPr lang="nl-NL" sz="1600" dirty="0"/>
+                        <a:t> a syntax </a:t>
+                      </a:r>
+                      <a:r>
+                        <a:rPr lang="nl-NL" sz="1600" dirty="0" err="1"/>
+                        <a:t>similar</a:t>
+                      </a:r>
+                      <a:r>
+                        <a:rPr lang="nl-NL" sz="1600" dirty="0"/>
+                        <a:t> </a:t>
+                      </a:r>
+                      <a:r>
+                        <a:rPr lang="nl-NL" sz="1600" dirty="0" err="1"/>
+                        <a:t>to</a:t>
+                      </a:r>
+                      <a:r>
+                        <a:rPr lang="nl-NL" sz="1600" dirty="0"/>
+                        <a:t> SQL.  </a:t>
                       </a:r>
                     </a:p>
                   </a:txBody>
@@ -47293,8 +47636,36 @@
                     <a:lstStyle/>
                     <a:p>
                       <a:r>
-                        <a:rPr lang="nl-NL" sz="1600"/>
-                        <a:t>Careful feature analysis of commonly used libs </a:t>
+                        <a:rPr lang="nl-NL" sz="1600" dirty="0" err="1"/>
+                        <a:t>Careful</a:t>
+                      </a:r>
+                      <a:r>
+                        <a:rPr lang="nl-NL" sz="1600" dirty="0"/>
+                        <a:t> feature analysis of </a:t>
+                      </a:r>
+                      <a:r>
+                        <a:rPr lang="nl-NL" sz="1600" dirty="0" err="1"/>
+                        <a:t>commonly</a:t>
+                      </a:r>
+                      <a:r>
+                        <a:rPr lang="nl-NL" sz="1600" dirty="0"/>
+                        <a:t> </a:t>
+                      </a:r>
+                      <a:r>
+                        <a:rPr lang="nl-NL" sz="1600" dirty="0" err="1"/>
+                        <a:t>used</a:t>
+                      </a:r>
+                      <a:r>
+                        <a:rPr lang="nl-NL" sz="1600" dirty="0"/>
+                        <a:t> </a:t>
+                      </a:r>
+                      <a:r>
+                        <a:rPr lang="nl-NL" sz="1600" dirty="0" err="1"/>
+                        <a:t>libs</a:t>
+                      </a:r>
+                      <a:r>
+                        <a:rPr lang="nl-NL" sz="1600" dirty="0"/>
+                        <a:t> </a:t>
                       </a:r>
                     </a:p>
                   </a:txBody>
@@ -48009,15 +48380,6 @@
 </file>
 
 <file path=customXml/item1.xml><?xml version="1.0" encoding="utf-8"?>
-<?mso-contentType ?>
-<FormTemplates xmlns="http://schemas.microsoft.com/sharepoint/v3/contenttype/forms">
-  <Display>DocumentLibraryForm</Display>
-  <Edit>DocumentLibraryForm</Edit>
-  <New>DocumentLibraryForm</New>
-</FormTemplates>
-</file>
-
-<file path=customXml/item2.xml><?xml version="1.0" encoding="utf-8"?>
 <ct:contentTypeSchema xmlns:ct="http://schemas.microsoft.com/office/2006/metadata/contentType" xmlns:ma="http://schemas.microsoft.com/office/2006/metadata/properties/metaAttributes" ct:_="" ma:_="" ma:contentTypeName="Document" ma:contentTypeID="0x0101007F0237082AB0944A9FC216E2DA5620D5" ma:contentTypeVersion="18" ma:contentTypeDescription="Een nieuw document maken." ma:contentTypeScope="" ma:versionID="4f1caa9287d9488e20316eb0fee938e9">
   <xsd:schema xmlns:xsd="http://www.w3.org/2001/XMLSchema" xmlns:xs="http://www.w3.org/2001/XMLSchema" xmlns:p="http://schemas.microsoft.com/office/2006/metadata/properties" xmlns:ns2="9c5a206d-b938-4884-b132-8a290c966188" xmlns:ns3="9b1463cd-8617-4935-ac0c-8d0310cc0c27" targetNamespace="http://schemas.microsoft.com/office/2006/metadata/properties" ma:root="true" ma:fieldsID="aaa2e803268428d24b688eb9cf6a5a07" ns2:_="" ns3:_="">
     <xsd:import namespace="9c5a206d-b938-4884-b132-8a290c966188"/>
@@ -48272,7 +48634,7 @@
 </ct:contentTypeSchema>
 </file>
 
-<file path=customXml/item3.xml><?xml version="1.0" encoding="utf-8"?>
+<file path=customXml/item2.xml><?xml version="1.0" encoding="utf-8"?>
 <p:properties xmlns:p="http://schemas.microsoft.com/office/2006/metadata/properties" xmlns:xsi="http://www.w3.org/2001/XMLSchema-instance" xmlns:pc="http://schemas.microsoft.com/office/infopath/2007/PartnerControls">
   <documentManagement>
     <lcf76f155ced4ddcb4097134ff3c332f xmlns="9c5a206d-b938-4884-b132-8a290c966188">
@@ -48283,15 +48645,16 @@
 </p:properties>
 </file>
 
-<file path=customXml/itemProps1.xml><?xml version="1.0" encoding="utf-8"?>
-<ds:datastoreItem xmlns:ds="http://schemas.openxmlformats.org/officeDocument/2006/customXml" ds:itemID="{BA48266C-CCCF-48F1-80D3-1F408859C50D}">
-  <ds:schemaRefs>
-    <ds:schemaRef ds:uri="http://schemas.microsoft.com/sharepoint/v3/contenttype/forms"/>
-  </ds:schemaRefs>
-</ds:datastoreItem>
+<file path=customXml/item3.xml><?xml version="1.0" encoding="utf-8"?>
+<?mso-contentType ?>
+<FormTemplates xmlns="http://schemas.microsoft.com/sharepoint/v3/contenttype/forms">
+  <Display>DocumentLibraryForm</Display>
+  <Edit>DocumentLibraryForm</Edit>
+  <New>DocumentLibraryForm</New>
+</FormTemplates>
 </file>
 
-<file path=customXml/itemProps2.xml><?xml version="1.0" encoding="utf-8"?>
+<file path=customXml/itemProps1.xml><?xml version="1.0" encoding="utf-8"?>
 <ds:datastoreItem xmlns:ds="http://schemas.openxmlformats.org/officeDocument/2006/customXml" ds:itemID="{B71804E9-FB14-4B03-AE64-B68AF3220F70}">
   <ds:schemaRefs>
     <ds:schemaRef ds:uri="http://schemas.microsoft.com/office/2006/metadata/contentType"/>
@@ -48310,7 +48673,7 @@
 </ds:datastoreItem>
 </file>
 
-<file path=customXml/itemProps3.xml><?xml version="1.0" encoding="utf-8"?>
+<file path=customXml/itemProps2.xml><?xml version="1.0" encoding="utf-8"?>
 <ds:datastoreItem xmlns:ds="http://schemas.openxmlformats.org/officeDocument/2006/customXml" ds:itemID="{14998129-EF39-4E22-9AD7-F42BFEDA1730}">
   <ds:schemaRefs>
     <ds:schemaRef ds:uri="http://schemas.microsoft.com/office/infopath/2007/PartnerControls"/>
@@ -48325,4 +48688,12 @@
     <ds:schemaRef ds:uri="9c5a206d-b938-4884-b132-8a290c966188"/>
   </ds:schemaRefs>
 </ds:datastoreItem>
+</file>
+
+<file path=customXml/itemProps3.xml><?xml version="1.0" encoding="utf-8"?>
+<ds:datastoreItem xmlns:ds="http://schemas.openxmlformats.org/officeDocument/2006/customXml" ds:itemID="{BA48266C-CCCF-48F1-80D3-1F408859C50D}">
+  <ds:schemaRefs>
+    <ds:schemaRef ds:uri="http://schemas.microsoft.com/sharepoint/v3/contenttype/forms"/>
+  </ds:schemaRefs>
+</ds:datastoreItem>
 </file>